--- a/Relationsdatabaser.pptx
+++ b/Relationsdatabaser.pptx
@@ -13,8 +13,11 @@
     <p:sldId id="261" r:id="rId7"/>
     <p:sldId id="262" r:id="rId8"/>
     <p:sldId id="263" r:id="rId9"/>
-    <p:sldId id="264" r:id="rId10"/>
-    <p:sldId id="265" r:id="rId11"/>
+    <p:sldId id="267" r:id="rId10"/>
+    <p:sldId id="264" r:id="rId11"/>
+    <p:sldId id="265" r:id="rId12"/>
+    <p:sldId id="266" r:id="rId13"/>
+    <p:sldId id="268" r:id="rId14"/>
   </p:sldIdLst>
   <p:sldSz cx="12192000" cy="6858000"/>
   <p:notesSz cx="6858000" cy="9144000"/>
@@ -113,6 +116,11 @@
       </a:defRPr>
     </a:lvl9pPr>
   </p:defaultTextStyle>
+  <p:extLst>
+    <p:ext uri="{EFAFB233-063F-42B5-8137-9DF3F51BA10A}">
+      <p15:sldGuideLst xmlns:p15="http://schemas.microsoft.com/office/powerpoint/2012/main"/>
+    </p:ext>
+  </p:extLst>
 </p:presentation>
 </file>
 
@@ -265,7 +273,7 @@
           <a:p>
             <a:fld id="{EBB56105-ADDE-45DB-A0E5-BD63D6838E0A}" type="datetimeFigureOut">
               <a:rPr lang="sv-SE" smtClean="0"/>
-              <a:t>2023-01-03</a:t>
+              <a:t>2023-01-07</a:t>
             </a:fld>
             <a:endParaRPr lang="sv-SE"/>
           </a:p>
@@ -465,7 +473,7 @@
           <a:p>
             <a:fld id="{EBB56105-ADDE-45DB-A0E5-BD63D6838E0A}" type="datetimeFigureOut">
               <a:rPr lang="sv-SE" smtClean="0"/>
-              <a:t>2023-01-03</a:t>
+              <a:t>2023-01-07</a:t>
             </a:fld>
             <a:endParaRPr lang="sv-SE"/>
           </a:p>
@@ -675,7 +683,7 @@
           <a:p>
             <a:fld id="{EBB56105-ADDE-45DB-A0E5-BD63D6838E0A}" type="datetimeFigureOut">
               <a:rPr lang="sv-SE" smtClean="0"/>
-              <a:t>2023-01-03</a:t>
+              <a:t>2023-01-07</a:t>
             </a:fld>
             <a:endParaRPr lang="sv-SE"/>
           </a:p>
@@ -875,7 +883,7 @@
           <a:p>
             <a:fld id="{EBB56105-ADDE-45DB-A0E5-BD63D6838E0A}" type="datetimeFigureOut">
               <a:rPr lang="sv-SE" smtClean="0"/>
-              <a:t>2023-01-03</a:t>
+              <a:t>2023-01-07</a:t>
             </a:fld>
             <a:endParaRPr lang="sv-SE"/>
           </a:p>
@@ -1151,7 +1159,7 @@
           <a:p>
             <a:fld id="{EBB56105-ADDE-45DB-A0E5-BD63D6838E0A}" type="datetimeFigureOut">
               <a:rPr lang="sv-SE" smtClean="0"/>
-              <a:t>2023-01-03</a:t>
+              <a:t>2023-01-07</a:t>
             </a:fld>
             <a:endParaRPr lang="sv-SE"/>
           </a:p>
@@ -1419,7 +1427,7 @@
           <a:p>
             <a:fld id="{EBB56105-ADDE-45DB-A0E5-BD63D6838E0A}" type="datetimeFigureOut">
               <a:rPr lang="sv-SE" smtClean="0"/>
-              <a:t>2023-01-03</a:t>
+              <a:t>2023-01-07</a:t>
             </a:fld>
             <a:endParaRPr lang="sv-SE"/>
           </a:p>
@@ -1834,7 +1842,7 @@
           <a:p>
             <a:fld id="{EBB56105-ADDE-45DB-A0E5-BD63D6838E0A}" type="datetimeFigureOut">
               <a:rPr lang="sv-SE" smtClean="0"/>
-              <a:t>2023-01-03</a:t>
+              <a:t>2023-01-07</a:t>
             </a:fld>
             <a:endParaRPr lang="sv-SE"/>
           </a:p>
@@ -1976,7 +1984,7 @@
           <a:p>
             <a:fld id="{EBB56105-ADDE-45DB-A0E5-BD63D6838E0A}" type="datetimeFigureOut">
               <a:rPr lang="sv-SE" smtClean="0"/>
-              <a:t>2023-01-03</a:t>
+              <a:t>2023-01-07</a:t>
             </a:fld>
             <a:endParaRPr lang="sv-SE"/>
           </a:p>
@@ -2089,7 +2097,7 @@
           <a:p>
             <a:fld id="{EBB56105-ADDE-45DB-A0E5-BD63D6838E0A}" type="datetimeFigureOut">
               <a:rPr lang="sv-SE" smtClean="0"/>
-              <a:t>2023-01-03</a:t>
+              <a:t>2023-01-07</a:t>
             </a:fld>
             <a:endParaRPr lang="sv-SE"/>
           </a:p>
@@ -2402,7 +2410,7 @@
           <a:p>
             <a:fld id="{EBB56105-ADDE-45DB-A0E5-BD63D6838E0A}" type="datetimeFigureOut">
               <a:rPr lang="sv-SE" smtClean="0"/>
-              <a:t>2023-01-03</a:t>
+              <a:t>2023-01-07</a:t>
             </a:fld>
             <a:endParaRPr lang="sv-SE"/>
           </a:p>
@@ -2691,7 +2699,7 @@
           <a:p>
             <a:fld id="{EBB56105-ADDE-45DB-A0E5-BD63D6838E0A}" type="datetimeFigureOut">
               <a:rPr lang="sv-SE" smtClean="0"/>
-              <a:t>2023-01-03</a:t>
+              <a:t>2023-01-07</a:t>
             </a:fld>
             <a:endParaRPr lang="sv-SE"/>
           </a:p>
@@ -2934,7 +2942,7 @@
           <a:p>
             <a:fld id="{EBB56105-ADDE-45DB-A0E5-BD63D6838E0A}" type="datetimeFigureOut">
               <a:rPr lang="sv-SE" smtClean="0"/>
-              <a:t>2023-01-03</a:t>
+              <a:t>2023-01-07</a:t>
             </a:fld>
             <a:endParaRPr lang="sv-SE"/>
           </a:p>
@@ -3379,31 +3387,53 @@
           </a:p>
         </p:txBody>
       </p:sp>
-      <p:sp>
-        <p:nvSpPr>
-          <p:cNvPr id="3" name="Subtitle 2">
+      <p:pic>
+        <p:nvPicPr>
+          <p:cNvPr id="4" name="Picture 2" descr="S:\dfm\info\icons\v-collections\v_collections_png\business_finance_data\128x128\shadow\data_copy.png">
             <a:extLst>
               <a:ext uri="{FF2B5EF4-FFF2-40B4-BE49-F238E27FC236}">
-                <a16:creationId xmlns:a16="http://schemas.microsoft.com/office/drawing/2014/main" id="{46EB9725-0295-1004-E56A-130D4359C81A}"/>
+                <a16:creationId xmlns:a16="http://schemas.microsoft.com/office/drawing/2014/main" id="{FB47C592-38AD-6135-F429-322DB184355A}"/>
               </a:ext>
             </a:extLst>
           </p:cNvPr>
-          <p:cNvSpPr>
-            <a:spLocks noGrp="1"/>
-          </p:cNvSpPr>
-          <p:nvPr>
-            <p:ph type="subTitle" idx="1"/>
-          </p:nvPr>
-        </p:nvSpPr>
-        <p:spPr/>
-        <p:txBody>
-          <a:bodyPr/>
-          <a:lstStyle/>
-          <a:p>
-            <a:endParaRPr lang="sv-SE" dirty="0"/>
-          </a:p>
-        </p:txBody>
-      </p:sp>
+          <p:cNvPicPr>
+            <a:picLocks noChangeAspect="1" noChangeArrowheads="1"/>
+          </p:cNvPicPr>
+          <p:nvPr/>
+        </p:nvPicPr>
+        <p:blipFill>
+          <a:blip r:embed="rId2">
+            <a:extLst>
+              <a:ext uri="{28A0092B-C50C-407E-A947-70E740481C1C}">
+                <a14:useLocalDpi xmlns:a14="http://schemas.microsoft.com/office/drawing/2010/main" val="0"/>
+              </a:ext>
+            </a:extLst>
+          </a:blip>
+          <a:srcRect/>
+          <a:stretch>
+            <a:fillRect/>
+          </a:stretch>
+        </p:blipFill>
+        <p:spPr bwMode="auto">
+          <a:xfrm>
+            <a:off x="5486400" y="3751326"/>
+            <a:ext cx="1219200" cy="1219201"/>
+          </a:xfrm>
+          <a:prstGeom prst="rect">
+            <a:avLst/>
+          </a:prstGeom>
+          <a:noFill/>
+          <a:extLst>
+            <a:ext uri="{909E8E84-426E-40dd-AFC4-6F175D3DCCD1}">
+              <a14:hiddenFill xmlns="" xmlns:a14="http://schemas.microsoft.com/office/drawing/2010/main">
+                <a:solidFill>
+                  <a:srgbClr val="FFFFFF"/>
+                </a:solidFill>
+              </a14:hiddenFill>
+            </a:ext>
+          </a:extLst>
+        </p:spPr>
+      </p:pic>
     </p:spTree>
     <p:extLst>
       <p:ext uri="{BB962C8B-B14F-4D97-AF65-F5344CB8AC3E}">
@@ -3418,6 +3448,123 @@
 </file>
 
 <file path=ppt/slides/slide10.xml><?xml version="1.0" encoding="utf-8"?>
+<p:sld xmlns:a="http://schemas.openxmlformats.org/drawingml/2006/main" xmlns:r="http://schemas.openxmlformats.org/officeDocument/2006/relationships" xmlns:p="http://schemas.openxmlformats.org/presentationml/2006/main">
+  <p:cSld>
+    <p:spTree>
+      <p:nvGrpSpPr>
+        <p:cNvPr id="1" name=""/>
+        <p:cNvGrpSpPr/>
+        <p:nvPr/>
+      </p:nvGrpSpPr>
+      <p:grpSpPr>
+        <a:xfrm>
+          <a:off x="0" y="0"/>
+          <a:ext cx="0" cy="0"/>
+          <a:chOff x="0" y="0"/>
+          <a:chExt cx="0" cy="0"/>
+        </a:xfrm>
+      </p:grpSpPr>
+      <p:sp>
+        <p:nvSpPr>
+          <p:cNvPr id="2" name="Title 1">
+            <a:extLst>
+              <a:ext uri="{FF2B5EF4-FFF2-40B4-BE49-F238E27FC236}">
+                <a16:creationId xmlns:a16="http://schemas.microsoft.com/office/drawing/2014/main" id="{FD6F9220-6217-8FC0-8800-A64429AA1C2B}"/>
+              </a:ext>
+            </a:extLst>
+          </p:cNvPr>
+          <p:cNvSpPr>
+            <a:spLocks noGrp="1"/>
+          </p:cNvSpPr>
+          <p:nvPr>
+            <p:ph type="title"/>
+          </p:nvPr>
+        </p:nvSpPr>
+        <p:spPr/>
+        <p:txBody>
+          <a:bodyPr/>
+          <a:lstStyle/>
+          <a:p>
+            <a:r>
+              <a:rPr lang="sv-SE" dirty="0"/>
+              <a:t>Data och Tabeller</a:t>
+            </a:r>
+          </a:p>
+        </p:txBody>
+      </p:sp>
+      <p:pic>
+        <p:nvPicPr>
+          <p:cNvPr id="5" name="Content Placeholder 4">
+            <a:extLst>
+              <a:ext uri="{FF2B5EF4-FFF2-40B4-BE49-F238E27FC236}">
+                <a16:creationId xmlns:a16="http://schemas.microsoft.com/office/drawing/2014/main" id="{81557130-74C2-E8AC-4903-8D405DC3CA60}"/>
+              </a:ext>
+            </a:extLst>
+          </p:cNvPr>
+          <p:cNvPicPr>
+            <a:picLocks noGrp="1" noChangeAspect="1"/>
+          </p:cNvPicPr>
+          <p:nvPr>
+            <p:ph idx="1"/>
+          </p:nvPr>
+        </p:nvPicPr>
+        <p:blipFill>
+          <a:blip r:embed="rId2"/>
+          <a:stretch>
+            <a:fillRect/>
+          </a:stretch>
+        </p:blipFill>
+        <p:spPr>
+          <a:xfrm>
+            <a:off x="4743919" y="1284450"/>
+            <a:ext cx="5234965" cy="2699722"/>
+          </a:xfrm>
+        </p:spPr>
+      </p:pic>
+      <p:pic>
+        <p:nvPicPr>
+          <p:cNvPr id="7" name="Picture 6">
+            <a:extLst>
+              <a:ext uri="{FF2B5EF4-FFF2-40B4-BE49-F238E27FC236}">
+                <a16:creationId xmlns:a16="http://schemas.microsoft.com/office/drawing/2014/main" id="{A79F75C0-478B-8495-1026-31F0E59AF9D2}"/>
+              </a:ext>
+            </a:extLst>
+          </p:cNvPr>
+          <p:cNvPicPr>
+            <a:picLocks noChangeAspect="1"/>
+          </p:cNvPicPr>
+          <p:nvPr/>
+        </p:nvPicPr>
+        <p:blipFill>
+          <a:blip r:embed="rId3"/>
+          <a:stretch>
+            <a:fillRect/>
+          </a:stretch>
+        </p:blipFill>
+        <p:spPr>
+          <a:xfrm>
+            <a:off x="770747" y="4284929"/>
+            <a:ext cx="10799212" cy="2049611"/>
+          </a:xfrm>
+          <a:prstGeom prst="rect">
+            <a:avLst/>
+          </a:prstGeom>
+        </p:spPr>
+      </p:pic>
+    </p:spTree>
+    <p:extLst>
+      <p:ext uri="{BB962C8B-B14F-4D97-AF65-F5344CB8AC3E}">
+        <p14:creationId xmlns:p14="http://schemas.microsoft.com/office/powerpoint/2010/main" val="2470909460"/>
+      </p:ext>
+    </p:extLst>
+  </p:cSld>
+  <p:clrMapOvr>
+    <a:masterClrMapping/>
+  </p:clrMapOvr>
+</p:sld>
+</file>
+
+<file path=ppt/slides/slide11.xml><?xml version="1.0" encoding="utf-8"?>
 <p:sld xmlns:a="http://schemas.openxmlformats.org/drawingml/2006/main" xmlns:r="http://schemas.openxmlformats.org/officeDocument/2006/relationships" xmlns:p="http://schemas.openxmlformats.org/presentationml/2006/main">
   <p:cSld>
     <p:spTree>
@@ -7599,6 +7746,323 @@
     <p:extLst>
       <p:ext uri="{BB962C8B-B14F-4D97-AF65-F5344CB8AC3E}">
         <p14:creationId xmlns:p14="http://schemas.microsoft.com/office/powerpoint/2010/main" val="3232740732"/>
+      </p:ext>
+    </p:extLst>
+  </p:cSld>
+  <p:clrMapOvr>
+    <a:masterClrMapping/>
+  </p:clrMapOvr>
+</p:sld>
+</file>
+
+<file path=ppt/slides/slide12.xml><?xml version="1.0" encoding="utf-8"?>
+<p:sld xmlns:a="http://schemas.openxmlformats.org/drawingml/2006/main" xmlns:r="http://schemas.openxmlformats.org/officeDocument/2006/relationships" xmlns:p="http://schemas.openxmlformats.org/presentationml/2006/main">
+  <p:cSld>
+    <p:spTree>
+      <p:nvGrpSpPr>
+        <p:cNvPr id="1" name=""/>
+        <p:cNvGrpSpPr/>
+        <p:nvPr/>
+      </p:nvGrpSpPr>
+      <p:grpSpPr>
+        <a:xfrm>
+          <a:off x="0" y="0"/>
+          <a:ext cx="0" cy="0"/>
+          <a:chOff x="0" y="0"/>
+          <a:chExt cx="0" cy="0"/>
+        </a:xfrm>
+      </p:grpSpPr>
+      <p:sp>
+        <p:nvSpPr>
+          <p:cNvPr id="2" name="Title 1">
+            <a:extLst>
+              <a:ext uri="{FF2B5EF4-FFF2-40B4-BE49-F238E27FC236}">
+                <a16:creationId xmlns:a16="http://schemas.microsoft.com/office/drawing/2014/main" id="{D9DD4D39-7B63-6CBA-1CCB-9F483395A8A7}"/>
+              </a:ext>
+            </a:extLst>
+          </p:cNvPr>
+          <p:cNvSpPr>
+            <a:spLocks noGrp="1"/>
+          </p:cNvSpPr>
+          <p:nvPr>
+            <p:ph type="title"/>
+          </p:nvPr>
+        </p:nvSpPr>
+        <p:spPr/>
+        <p:txBody>
+          <a:bodyPr/>
+          <a:lstStyle/>
+          <a:p>
+            <a:r>
+              <a:rPr lang="sv-SE" dirty="0"/>
+              <a:t>Datatyper i SQL</a:t>
+            </a:r>
+          </a:p>
+        </p:txBody>
+      </p:sp>
+      <p:sp>
+        <p:nvSpPr>
+          <p:cNvPr id="3" name="Content Placeholder 2">
+            <a:extLst>
+              <a:ext uri="{FF2B5EF4-FFF2-40B4-BE49-F238E27FC236}">
+                <a16:creationId xmlns:a16="http://schemas.microsoft.com/office/drawing/2014/main" id="{98E4E6E0-4F27-EE43-6375-37DB3FC2C487}"/>
+              </a:ext>
+            </a:extLst>
+          </p:cNvPr>
+          <p:cNvSpPr>
+            <a:spLocks noGrp="1"/>
+          </p:cNvSpPr>
+          <p:nvPr>
+            <p:ph idx="1"/>
+          </p:nvPr>
+        </p:nvSpPr>
+        <p:spPr>
+          <a:xfrm>
+            <a:off x="838200" y="1577130"/>
+            <a:ext cx="10515600" cy="5280869"/>
+          </a:xfrm>
+        </p:spPr>
+        <p:txBody>
+          <a:bodyPr>
+            <a:normAutofit lnSpcReduction="10000"/>
+          </a:bodyPr>
+          <a:lstStyle/>
+          <a:p>
+            <a:r>
+              <a:rPr lang="sv-SE" dirty="0"/>
+              <a:t>Text och sträng typer</a:t>
+            </a:r>
+          </a:p>
+          <a:p>
+            <a:pPr lvl="1"/>
+            <a:r>
+              <a:rPr lang="sv-SE" b="1" dirty="0"/>
+              <a:t>text </a:t>
+            </a:r>
+            <a:r>
+              <a:rPr lang="sv-SE" dirty="0"/>
+              <a:t>– en sträng med valfri längd</a:t>
+            </a:r>
+          </a:p>
+          <a:p>
+            <a:pPr lvl="1"/>
+            <a:r>
+              <a:rPr lang="sv-SE" b="1" dirty="0"/>
+              <a:t>char(n)</a:t>
+            </a:r>
+            <a:r>
+              <a:rPr lang="sv-SE" dirty="0"/>
+              <a:t> – en sträng med exakt längd av tecken</a:t>
+            </a:r>
+          </a:p>
+          <a:p>
+            <a:pPr lvl="1"/>
+            <a:r>
+              <a:rPr lang="sv-SE" b="1" dirty="0" err="1"/>
+              <a:t>varchar</a:t>
+            </a:r>
+            <a:r>
+              <a:rPr lang="sv-SE" b="1" dirty="0"/>
+              <a:t>(n)</a:t>
+            </a:r>
+            <a:r>
+              <a:rPr lang="sv-SE" dirty="0"/>
+              <a:t> – en sträng med upp till n tecken</a:t>
+            </a:r>
+          </a:p>
+          <a:p>
+            <a:r>
+              <a:rPr lang="sv-SE" dirty="0"/>
+              <a:t>Numeriska typer</a:t>
+            </a:r>
+          </a:p>
+          <a:p>
+            <a:pPr lvl="1"/>
+            <a:r>
+              <a:rPr lang="sv-SE" b="1" dirty="0" err="1"/>
+              <a:t>integer</a:t>
+            </a:r>
+            <a:r>
+              <a:rPr lang="sv-SE" b="1" dirty="0"/>
+              <a:t> </a:t>
+            </a:r>
+            <a:r>
+              <a:rPr lang="sv-SE" dirty="0"/>
+              <a:t>– ett heltal</a:t>
+            </a:r>
+          </a:p>
+          <a:p>
+            <a:pPr lvl="1"/>
+            <a:r>
+              <a:rPr lang="sv-SE" b="1" dirty="0"/>
+              <a:t>real</a:t>
+            </a:r>
+            <a:r>
+              <a:rPr lang="sv-SE" dirty="0"/>
+              <a:t> – ett flyttals värde upp till 6 decimaler</a:t>
+            </a:r>
+          </a:p>
+          <a:p>
+            <a:pPr lvl="1"/>
+            <a:r>
+              <a:rPr lang="sv-SE" b="1" dirty="0"/>
+              <a:t>double precision </a:t>
+            </a:r>
+            <a:r>
+              <a:rPr lang="sv-SE" dirty="0"/>
+              <a:t>– ett flyttals värde med upp till 15 decimaler</a:t>
+            </a:r>
+            <a:endParaRPr lang="sv-SE" b="1" dirty="0"/>
+          </a:p>
+          <a:p>
+            <a:pPr lvl="1"/>
+            <a:r>
+              <a:rPr lang="sv-SE" b="1" dirty="0"/>
+              <a:t>decimal</a:t>
+            </a:r>
+            <a:r>
+              <a:rPr lang="sv-SE" dirty="0"/>
+              <a:t> – ett exakt decimal värde</a:t>
+            </a:r>
+          </a:p>
+          <a:p>
+            <a:r>
+              <a:rPr lang="sv-SE" dirty="0"/>
+              <a:t>Datum och tider typer</a:t>
+            </a:r>
+          </a:p>
+          <a:p>
+            <a:pPr lvl="1"/>
+            <a:r>
+              <a:rPr lang="sv-SE" b="1" dirty="0"/>
+              <a:t>date </a:t>
+            </a:r>
+            <a:r>
+              <a:rPr lang="sv-SE" dirty="0"/>
+              <a:t>– ett kalender datum; med årtal, månad, och dag. 2020-12-13 </a:t>
+            </a:r>
+          </a:p>
+          <a:p>
+            <a:pPr lvl="1"/>
+            <a:r>
+              <a:rPr lang="sv-SE" b="1" dirty="0" err="1"/>
+              <a:t>time</a:t>
+            </a:r>
+            <a:r>
+              <a:rPr lang="sv-SE" dirty="0"/>
+              <a:t> – tidpunkt på dygnet</a:t>
+            </a:r>
+          </a:p>
+          <a:p>
+            <a:pPr lvl="1"/>
+            <a:r>
+              <a:rPr lang="sv-SE" b="1" dirty="0" err="1"/>
+              <a:t>timestamp</a:t>
+            </a:r>
+            <a:r>
+              <a:rPr lang="sv-SE" dirty="0"/>
+              <a:t> – datum och tid tillsammans</a:t>
+            </a:r>
+          </a:p>
+          <a:p>
+            <a:endParaRPr lang="sv-SE" dirty="0"/>
+          </a:p>
+        </p:txBody>
+      </p:sp>
+    </p:spTree>
+    <p:extLst>
+      <p:ext uri="{BB962C8B-B14F-4D97-AF65-F5344CB8AC3E}">
+        <p14:creationId xmlns:p14="http://schemas.microsoft.com/office/powerpoint/2010/main" val="773314519"/>
+      </p:ext>
+    </p:extLst>
+  </p:cSld>
+  <p:clrMapOvr>
+    <a:masterClrMapping/>
+  </p:clrMapOvr>
+</p:sld>
+</file>
+
+<file path=ppt/slides/slide13.xml><?xml version="1.0" encoding="utf-8"?>
+<p:sld xmlns:a="http://schemas.openxmlformats.org/drawingml/2006/main" xmlns:r="http://schemas.openxmlformats.org/officeDocument/2006/relationships" xmlns:p="http://schemas.openxmlformats.org/presentationml/2006/main">
+  <p:cSld>
+    <p:spTree>
+      <p:nvGrpSpPr>
+        <p:cNvPr id="1" name=""/>
+        <p:cNvGrpSpPr/>
+        <p:nvPr/>
+      </p:nvGrpSpPr>
+      <p:grpSpPr>
+        <a:xfrm>
+          <a:off x="0" y="0"/>
+          <a:ext cx="0" cy="0"/>
+          <a:chOff x="0" y="0"/>
+          <a:chExt cx="0" cy="0"/>
+        </a:xfrm>
+      </p:grpSpPr>
+      <p:sp>
+        <p:nvSpPr>
+          <p:cNvPr id="2" name="Title 1">
+            <a:extLst>
+              <a:ext uri="{FF2B5EF4-FFF2-40B4-BE49-F238E27FC236}">
+                <a16:creationId xmlns:a16="http://schemas.microsoft.com/office/drawing/2014/main" id="{868CF453-E7DA-CE9C-9202-E7FD313EB0AB}"/>
+              </a:ext>
+            </a:extLst>
+          </p:cNvPr>
+          <p:cNvSpPr>
+            <a:spLocks noGrp="1"/>
+          </p:cNvSpPr>
+          <p:nvPr>
+            <p:ph type="title"/>
+          </p:nvPr>
+        </p:nvSpPr>
+        <p:spPr/>
+        <p:txBody>
+          <a:bodyPr/>
+          <a:lstStyle/>
+          <a:p>
+            <a:r>
+              <a:rPr lang="sv-SE" dirty="0"/>
+              <a:t>Normaliserad design</a:t>
+            </a:r>
+          </a:p>
+        </p:txBody>
+      </p:sp>
+      <p:sp>
+        <p:nvSpPr>
+          <p:cNvPr id="3" name="Content Placeholder 2">
+            <a:extLst>
+              <a:ext uri="{FF2B5EF4-FFF2-40B4-BE49-F238E27FC236}">
+                <a16:creationId xmlns:a16="http://schemas.microsoft.com/office/drawing/2014/main" id="{61A80F87-03B8-506F-C09E-5C3F0EA057F6}"/>
+              </a:ext>
+            </a:extLst>
+          </p:cNvPr>
+          <p:cNvSpPr>
+            <a:spLocks noGrp="1"/>
+          </p:cNvSpPr>
+          <p:nvPr>
+            <p:ph idx="1"/>
+          </p:nvPr>
+        </p:nvSpPr>
+        <p:spPr/>
+        <p:txBody>
+          <a:bodyPr/>
+          <a:lstStyle/>
+          <a:p>
+            <a:pPr marL="514350" indent="-514350">
+              <a:buFont typeface="+mj-lt"/>
+              <a:buAutoNum type="arabicPeriod"/>
+            </a:pPr>
+            <a:r>
+              <a:rPr lang="sv-SE" dirty="0"/>
+              <a:t>I en normaliserad databas, ska</a:t>
+            </a:r>
+          </a:p>
+        </p:txBody>
+      </p:sp>
+    </p:spTree>
+    <p:extLst>
+      <p:ext uri="{BB962C8B-B14F-4D97-AF65-F5344CB8AC3E}">
+        <p14:creationId xmlns:p14="http://schemas.microsoft.com/office/powerpoint/2010/main" val="1410961730"/>
       </p:ext>
     </p:extLst>
   </p:cSld>
@@ -7860,7 +8324,12 @@
             <p:ph type="title"/>
           </p:nvPr>
         </p:nvSpPr>
-        <p:spPr/>
+        <p:spPr>
+          <a:xfrm>
+            <a:off x="896923" y="139961"/>
+            <a:ext cx="10515600" cy="826112"/>
+          </a:xfrm>
+        </p:spPr>
         <p:txBody>
           <a:bodyPr/>
           <a:lstStyle/>
@@ -7886,7 +8355,7 @@
         </p:nvSpPr>
         <p:spPr>
           <a:xfrm>
-            <a:off x="838199" y="1962951"/>
+            <a:off x="896923" y="881390"/>
             <a:ext cx="4589477" cy="1569660"/>
           </a:xfrm>
           <a:prstGeom prst="rect">
@@ -7905,7 +8374,7 @@
               <a:buChar char="•"/>
             </a:pPr>
             <a:r>
-              <a:rPr lang="sv-SE" sz="2400" dirty="0"/>
+              <a:rPr lang="sv-SE" sz="2400" b="1" dirty="0"/>
               <a:t>Alla databaser</a:t>
             </a:r>
           </a:p>
@@ -7945,8 +8414,8 @@
         </p:nvSpPr>
         <p:spPr>
           <a:xfrm>
-            <a:off x="6096000" y="1962951"/>
-            <a:ext cx="5678905" cy="2677656"/>
+            <a:off x="6154723" y="752282"/>
+            <a:ext cx="5678905" cy="3785652"/>
           </a:xfrm>
           <a:prstGeom prst="rect">
             <a:avLst/>
@@ -7964,8 +8433,18 @@
               <a:buChar char="•"/>
             </a:pPr>
             <a:r>
+              <a:rPr lang="sv-SE" sz="2400" b="1" dirty="0"/>
+              <a:t>Bara relationsdatabaser</a:t>
+            </a:r>
+          </a:p>
+          <a:p>
+            <a:pPr marL="742950" lvl="1" indent="-285750">
+              <a:buFont typeface="Arial" panose="020B0604020202020204" pitchFamily="34" charset="0"/>
+              <a:buChar char="•"/>
+            </a:pPr>
+            <a:r>
               <a:rPr lang="sv-SE" sz="2400" dirty="0"/>
-              <a:t>Bara relationsdatabaser</a:t>
+              <a:t>Lagrar data i tabeller med relationer till varandra</a:t>
             </a:r>
           </a:p>
           <a:p>
@@ -7983,7 +8462,10 @@
               <a:buFont typeface="Arial" panose="020B0604020202020204" pitchFamily="34" charset="0"/>
               <a:buChar char="•"/>
             </a:pPr>
-            <a:endParaRPr lang="sv-SE" sz="2400" dirty="0"/>
+            <a:r>
+              <a:rPr lang="sv-SE" sz="2400" dirty="0"/>
+              <a:t>Villkor – regler för att skydda och säkerställa kvaliteten på data</a:t>
+            </a:r>
           </a:p>
           <a:p>
             <a:pPr marL="742950" lvl="1" indent="-285750">
@@ -7992,7 +8474,1396 @@
             </a:pPr>
             <a:r>
               <a:rPr lang="sv-SE" sz="2400" dirty="0"/>
-              <a:t>Villkor – regler för att skydda och säkerställa kvaliteten på data</a:t>
+              <a:t>Använder språket SQL för att hämta data</a:t>
+            </a:r>
+          </a:p>
+        </p:txBody>
+      </p:sp>
+      <p:pic>
+        <p:nvPicPr>
+          <p:cNvPr id="3" name="Picture 2">
+            <a:extLst>
+              <a:ext uri="{FF2B5EF4-FFF2-40B4-BE49-F238E27FC236}">
+                <a16:creationId xmlns:a16="http://schemas.microsoft.com/office/drawing/2014/main" id="{0DD91A8C-184F-C55A-C2D4-66D6B732FD36}"/>
+              </a:ext>
+            </a:extLst>
+          </p:cNvPr>
+          <p:cNvPicPr>
+            <a:picLocks noChangeAspect="1"/>
+          </p:cNvPicPr>
+          <p:nvPr/>
+        </p:nvPicPr>
+        <p:blipFill>
+          <a:blip r:embed="rId2"/>
+          <a:stretch>
+            <a:fillRect/>
+          </a:stretch>
+        </p:blipFill>
+        <p:spPr>
+          <a:xfrm>
+            <a:off x="3027014" y="2881463"/>
+            <a:ext cx="3262214" cy="3095147"/>
+          </a:xfrm>
+          <a:prstGeom prst="rect">
+            <a:avLst/>
+          </a:prstGeom>
+        </p:spPr>
+      </p:pic>
+      <p:pic>
+        <p:nvPicPr>
+          <p:cNvPr id="4" name="Picture 2" descr="S:\dfm\info\icons\v-collections\v_collections_png\business_finance_data\128x128\shadow\data_copy.png">
+            <a:extLst>
+              <a:ext uri="{FF2B5EF4-FFF2-40B4-BE49-F238E27FC236}">
+                <a16:creationId xmlns:a16="http://schemas.microsoft.com/office/drawing/2014/main" id="{B245CBA9-E748-6821-FBB1-9E2DDA4746FB}"/>
+              </a:ext>
+            </a:extLst>
+          </p:cNvPr>
+          <p:cNvPicPr>
+            <a:picLocks noChangeAspect="1" noChangeArrowheads="1"/>
+          </p:cNvPicPr>
+          <p:nvPr/>
+        </p:nvPicPr>
+        <p:blipFill>
+          <a:blip r:embed="rId3">
+            <a:extLst>
+              <a:ext uri="{28A0092B-C50C-407E-A947-70E740481C1C}">
+                <a14:useLocalDpi xmlns:a14="http://schemas.microsoft.com/office/drawing/2010/main" val="0"/>
+              </a:ext>
+            </a:extLst>
+          </a:blip>
+          <a:srcRect/>
+          <a:stretch>
+            <a:fillRect/>
+          </a:stretch>
+        </p:blipFill>
+        <p:spPr bwMode="auto">
+          <a:xfrm>
+            <a:off x="693620" y="4824521"/>
+            <a:ext cx="1219200" cy="1219201"/>
+          </a:xfrm>
+          <a:prstGeom prst="rect">
+            <a:avLst/>
+          </a:prstGeom>
+          <a:noFill/>
+          <a:extLst>
+            <a:ext uri="{909E8E84-426E-40dd-AFC4-6F175D3DCCD1}">
+              <a14:hiddenFill xmlns="" xmlns:a14="http://schemas.microsoft.com/office/drawing/2010/main">
+                <a:solidFill>
+                  <a:srgbClr val="FFFFFF"/>
+                </a:solidFill>
+              </a14:hiddenFill>
+            </a:ext>
+          </a:extLst>
+        </p:spPr>
+      </p:pic>
+      <p:graphicFrame>
+        <p:nvGraphicFramePr>
+          <p:cNvPr id="7" name="Content Placeholder 5">
+            <a:extLst>
+              <a:ext uri="{FF2B5EF4-FFF2-40B4-BE49-F238E27FC236}">
+                <a16:creationId xmlns:a16="http://schemas.microsoft.com/office/drawing/2014/main" id="{75838270-28CE-05B7-C896-86891CBC1544}"/>
+              </a:ext>
+            </a:extLst>
+          </p:cNvPr>
+          <p:cNvGraphicFramePr>
+            <a:graphicFrameLocks noGrp="1"/>
+          </p:cNvGraphicFramePr>
+          <p:nvPr>
+            <p:ph idx="1"/>
+            <p:extLst>
+              <p:ext uri="{D42A27DB-BD31-4B8C-83A1-F6EECF244321}">
+                <p14:modId xmlns:p14="http://schemas.microsoft.com/office/powerpoint/2010/main" val="2103186981"/>
+              </p:ext>
+            </p:extLst>
+          </p:nvPr>
+        </p:nvGraphicFramePr>
+        <p:xfrm>
+          <a:off x="7403422" y="4587220"/>
+          <a:ext cx="3558429" cy="1693800"/>
+        </p:xfrm>
+        <a:graphic>
+          <a:graphicData uri="http://schemas.openxmlformats.org/drawingml/2006/table">
+            <a:tbl>
+              <a:tblPr/>
+              <a:tblGrid>
+                <a:gridCol w="1186143">
+                  <a:extLst>
+                    <a:ext uri="{9D8B030D-6E8A-4147-A177-3AD203B41FA5}">
+                      <a16:colId xmlns:a16="http://schemas.microsoft.com/office/drawing/2014/main" val="521001462"/>
+                    </a:ext>
+                  </a:extLst>
+                </a:gridCol>
+                <a:gridCol w="1186143">
+                  <a:extLst>
+                    <a:ext uri="{9D8B030D-6E8A-4147-A177-3AD203B41FA5}">
+                      <a16:colId xmlns:a16="http://schemas.microsoft.com/office/drawing/2014/main" val="764206598"/>
+                    </a:ext>
+                  </a:extLst>
+                </a:gridCol>
+                <a:gridCol w="1186143">
+                  <a:extLst>
+                    <a:ext uri="{9D8B030D-6E8A-4147-A177-3AD203B41FA5}">
+                      <a16:colId xmlns:a16="http://schemas.microsoft.com/office/drawing/2014/main" val="2535075706"/>
+                    </a:ext>
+                  </a:extLst>
+                </a:gridCol>
+              </a:tblGrid>
+              <a:tr h="251755">
+                <a:tc>
+                  <a:txBody>
+                    <a:bodyPr/>
+                    <a:lstStyle/>
+                    <a:p>
+                      <a:pPr algn="l" fontAlgn="b"/>
+                      <a:r>
+                        <a:rPr lang="sv-SE" sz="1200" b="1" dirty="0">
+                          <a:effectLst/>
+                        </a:rPr>
+                        <a:t>country</a:t>
+                      </a:r>
+                      <a:endParaRPr lang="sv-SE" sz="1200" dirty="0">
+                        <a:effectLst/>
+                      </a:endParaRPr>
+                    </a:p>
+                  </a:txBody>
+                  <a:tcPr marL="99419" marR="99419" marT="49710" marB="49710" anchor="b">
+                    <a:lnL w="12700" cap="flat" cmpd="sng" algn="ctr">
+                      <a:solidFill>
+                        <a:srgbClr val="90C635"/>
+                      </a:solidFill>
+                      <a:prstDash val="solid"/>
+                      <a:round/>
+                      <a:headEnd type="none" w="med" len="med"/>
+                      <a:tailEnd type="none" w="med" len="med"/>
+                    </a:lnL>
+                    <a:lnR w="12700" cap="flat" cmpd="sng" algn="ctr">
+                      <a:solidFill>
+                        <a:srgbClr val="90C635"/>
+                      </a:solidFill>
+                      <a:prstDash val="solid"/>
+                      <a:round/>
+                      <a:headEnd type="none" w="med" len="med"/>
+                      <a:tailEnd type="none" w="med" len="med"/>
+                    </a:lnR>
+                    <a:lnT w="9525" cap="flat" cmpd="sng" algn="ctr">
+                      <a:solidFill>
+                        <a:srgbClr val="DDDDDD"/>
+                      </a:solidFill>
+                      <a:prstDash val="solid"/>
+                      <a:round/>
+                      <a:headEnd type="none" w="med" len="med"/>
+                      <a:tailEnd type="none" w="med" len="med"/>
+                    </a:lnT>
+                    <a:lnB w="9525" cap="flat" cmpd="sng" algn="ctr">
+                      <a:solidFill>
+                        <a:srgbClr val="DDDDDD"/>
+                      </a:solidFill>
+                      <a:prstDash val="solid"/>
+                      <a:round/>
+                      <a:headEnd type="none" w="med" len="med"/>
+                      <a:tailEnd type="none" w="med" len="med"/>
+                    </a:lnB>
+                    <a:solidFill>
+                      <a:srgbClr val="FFFFFF"/>
+                    </a:solidFill>
+                  </a:tcPr>
+                </a:tc>
+                <a:tc>
+                  <a:txBody>
+                    <a:bodyPr/>
+                    <a:lstStyle/>
+                    <a:p>
+                      <a:pPr algn="l" fontAlgn="b"/>
+                      <a:r>
+                        <a:rPr lang="sv-SE" sz="1200" b="1" dirty="0">
+                          <a:effectLst/>
+                        </a:rPr>
+                        <a:t>population</a:t>
+                      </a:r>
+                      <a:endParaRPr lang="sv-SE" sz="1200" dirty="0">
+                        <a:effectLst/>
+                      </a:endParaRPr>
+                    </a:p>
+                  </a:txBody>
+                  <a:tcPr marL="99419" marR="99419" marT="49710" marB="49710" anchor="b">
+                    <a:lnL w="12700" cap="flat" cmpd="sng" algn="ctr">
+                      <a:solidFill>
+                        <a:srgbClr val="90C635"/>
+                      </a:solidFill>
+                      <a:prstDash val="solid"/>
+                      <a:round/>
+                      <a:headEnd type="none" w="med" len="med"/>
+                      <a:tailEnd type="none" w="med" len="med"/>
+                    </a:lnL>
+                    <a:lnR w="12700" cap="flat" cmpd="sng" algn="ctr">
+                      <a:solidFill>
+                        <a:srgbClr val="90C635"/>
+                      </a:solidFill>
+                      <a:prstDash val="solid"/>
+                      <a:round/>
+                      <a:headEnd type="none" w="med" len="med"/>
+                      <a:tailEnd type="none" w="med" len="med"/>
+                    </a:lnR>
+                    <a:lnT w="9525" cap="flat" cmpd="sng" algn="ctr">
+                      <a:solidFill>
+                        <a:srgbClr val="DDDDDD"/>
+                      </a:solidFill>
+                      <a:prstDash val="solid"/>
+                      <a:round/>
+                      <a:headEnd type="none" w="med" len="med"/>
+                      <a:tailEnd type="none" w="med" len="med"/>
+                    </a:lnT>
+                    <a:lnB w="9525" cap="flat" cmpd="sng" algn="ctr">
+                      <a:solidFill>
+                        <a:srgbClr val="DDDDDD"/>
+                      </a:solidFill>
+                      <a:prstDash val="solid"/>
+                      <a:round/>
+                      <a:headEnd type="none" w="med" len="med"/>
+                      <a:tailEnd type="none" w="med" len="med"/>
+                    </a:lnB>
+                    <a:solidFill>
+                      <a:srgbClr val="FFFFFF"/>
+                    </a:solidFill>
+                  </a:tcPr>
+                </a:tc>
+                <a:tc>
+                  <a:txBody>
+                    <a:bodyPr/>
+                    <a:lstStyle/>
+                    <a:p>
+                      <a:pPr algn="l" fontAlgn="b"/>
+                      <a:r>
+                        <a:rPr lang="sv-SE" sz="1200" b="1">
+                          <a:effectLst/>
+                        </a:rPr>
+                        <a:t>literacy</a:t>
+                      </a:r>
+                      <a:endParaRPr lang="sv-SE" sz="1200">
+                        <a:effectLst/>
+                      </a:endParaRPr>
+                    </a:p>
+                  </a:txBody>
+                  <a:tcPr marL="99419" marR="99419" marT="49710" marB="49710" anchor="b">
+                    <a:lnL w="12700" cap="flat" cmpd="sng" algn="ctr">
+                      <a:solidFill>
+                        <a:srgbClr val="90C635"/>
+                      </a:solidFill>
+                      <a:prstDash val="solid"/>
+                      <a:round/>
+                      <a:headEnd type="none" w="med" len="med"/>
+                      <a:tailEnd type="none" w="med" len="med"/>
+                    </a:lnL>
+                    <a:lnR w="12700" cap="flat" cmpd="sng" algn="ctr">
+                      <a:solidFill>
+                        <a:srgbClr val="90C635"/>
+                      </a:solidFill>
+                      <a:prstDash val="solid"/>
+                      <a:round/>
+                      <a:headEnd type="none" w="med" len="med"/>
+                      <a:tailEnd type="none" w="med" len="med"/>
+                    </a:lnR>
+                    <a:lnT w="9525" cap="flat" cmpd="sng" algn="ctr">
+                      <a:solidFill>
+                        <a:srgbClr val="DDDDDD"/>
+                      </a:solidFill>
+                      <a:prstDash val="solid"/>
+                      <a:round/>
+                      <a:headEnd type="none" w="med" len="med"/>
+                      <a:tailEnd type="none" w="med" len="med"/>
+                    </a:lnT>
+                    <a:lnB w="9525" cap="flat" cmpd="sng" algn="ctr">
+                      <a:solidFill>
+                        <a:srgbClr val="DDDDDD"/>
+                      </a:solidFill>
+                      <a:prstDash val="solid"/>
+                      <a:round/>
+                      <a:headEnd type="none" w="med" len="med"/>
+                      <a:tailEnd type="none" w="med" len="med"/>
+                    </a:lnB>
+                    <a:solidFill>
+                      <a:srgbClr val="FFFFFF"/>
+                    </a:solidFill>
+                  </a:tcPr>
+                </a:tc>
+                <a:extLst>
+                  <a:ext uri="{0D108BD9-81ED-4DB2-BD59-A6C34878D82A}">
+                    <a16:rowId xmlns:a16="http://schemas.microsoft.com/office/drawing/2014/main" val="1574384224"/>
+                  </a:ext>
+                </a:extLst>
+              </a:tr>
+              <a:tr h="251755">
+                <a:tc>
+                  <a:txBody>
+                    <a:bodyPr/>
+                    <a:lstStyle/>
+                    <a:p>
+                      <a:pPr fontAlgn="t"/>
+                      <a:r>
+                        <a:rPr lang="sv-SE" sz="1200">
+                          <a:effectLst/>
+                        </a:rPr>
+                        <a:t>Argentina</a:t>
+                      </a:r>
+                    </a:p>
+                  </a:txBody>
+                  <a:tcPr marL="99419" marR="99419" marT="49710" marB="49710">
+                    <a:lnL w="12700" cap="flat" cmpd="sng" algn="ctr">
+                      <a:solidFill>
+                        <a:srgbClr val="A0C035"/>
+                      </a:solidFill>
+                      <a:prstDash val="solid"/>
+                      <a:round/>
+                      <a:headEnd type="none" w="med" len="med"/>
+                      <a:tailEnd type="none" w="med" len="med"/>
+                    </a:lnL>
+                    <a:lnR w="12700" cap="flat" cmpd="sng" algn="ctr">
+                      <a:solidFill>
+                        <a:srgbClr val="A0C035"/>
+                      </a:solidFill>
+                      <a:prstDash val="solid"/>
+                      <a:round/>
+                      <a:headEnd type="none" w="med" len="med"/>
+                      <a:tailEnd type="none" w="med" len="med"/>
+                    </a:lnR>
+                    <a:lnT w="9525" cap="flat" cmpd="sng" algn="ctr">
+                      <a:solidFill>
+                        <a:srgbClr val="DDDDDD"/>
+                      </a:solidFill>
+                      <a:prstDash val="solid"/>
+                      <a:round/>
+                      <a:headEnd type="none" w="med" len="med"/>
+                      <a:tailEnd type="none" w="med" len="med"/>
+                    </a:lnT>
+                    <a:lnB w="9525" cap="flat" cmpd="sng" algn="ctr">
+                      <a:solidFill>
+                        <a:srgbClr val="DDDDDD"/>
+                      </a:solidFill>
+                      <a:prstDash val="solid"/>
+                      <a:round/>
+                      <a:headEnd type="none" w="med" len="med"/>
+                      <a:tailEnd type="none" w="med" len="med"/>
+                    </a:lnB>
+                    <a:solidFill>
+                      <a:srgbClr val="F9F9F9"/>
+                    </a:solidFill>
+                  </a:tcPr>
+                </a:tc>
+                <a:tc>
+                  <a:txBody>
+                    <a:bodyPr/>
+                    <a:lstStyle/>
+                    <a:p>
+                      <a:pPr fontAlgn="t"/>
+                      <a:r>
+                        <a:rPr lang="sv-SE" sz="1200" dirty="0">
+                          <a:effectLst/>
+                        </a:rPr>
+                        <a:t>43 million</a:t>
+                      </a:r>
+                    </a:p>
+                  </a:txBody>
+                  <a:tcPr marL="99419" marR="99419" marT="49710" marB="49710">
+                    <a:lnL w="12700" cap="flat" cmpd="sng" algn="ctr">
+                      <a:solidFill>
+                        <a:srgbClr val="A0C035"/>
+                      </a:solidFill>
+                      <a:prstDash val="solid"/>
+                      <a:round/>
+                      <a:headEnd type="none" w="med" len="med"/>
+                      <a:tailEnd type="none" w="med" len="med"/>
+                    </a:lnL>
+                    <a:lnR w="12700" cap="flat" cmpd="sng" algn="ctr">
+                      <a:solidFill>
+                        <a:srgbClr val="A0C035"/>
+                      </a:solidFill>
+                      <a:prstDash val="solid"/>
+                      <a:round/>
+                      <a:headEnd type="none" w="med" len="med"/>
+                      <a:tailEnd type="none" w="med" len="med"/>
+                    </a:lnR>
+                    <a:lnT w="9525" cap="flat" cmpd="sng" algn="ctr">
+                      <a:solidFill>
+                        <a:srgbClr val="DDDDDD"/>
+                      </a:solidFill>
+                      <a:prstDash val="solid"/>
+                      <a:round/>
+                      <a:headEnd type="none" w="med" len="med"/>
+                      <a:tailEnd type="none" w="med" len="med"/>
+                    </a:lnT>
+                    <a:lnB w="9525" cap="flat" cmpd="sng" algn="ctr">
+                      <a:solidFill>
+                        <a:srgbClr val="DDDDDD"/>
+                      </a:solidFill>
+                      <a:prstDash val="solid"/>
+                      <a:round/>
+                      <a:headEnd type="none" w="med" len="med"/>
+                      <a:tailEnd type="none" w="med" len="med"/>
+                    </a:lnB>
+                    <a:solidFill>
+                      <a:srgbClr val="F9F9F9"/>
+                    </a:solidFill>
+                  </a:tcPr>
+                </a:tc>
+                <a:tc>
+                  <a:txBody>
+                    <a:bodyPr/>
+                    <a:lstStyle/>
+                    <a:p>
+                      <a:pPr fontAlgn="t"/>
+                      <a:r>
+                        <a:rPr lang="sv-SE" sz="1200">
+                          <a:effectLst/>
+                        </a:rPr>
+                        <a:t>98%</a:t>
+                      </a:r>
+                    </a:p>
+                  </a:txBody>
+                  <a:tcPr marL="99419" marR="99419" marT="49710" marB="49710">
+                    <a:lnL w="12700" cap="flat" cmpd="sng" algn="ctr">
+                      <a:solidFill>
+                        <a:srgbClr val="A0C035"/>
+                      </a:solidFill>
+                      <a:prstDash val="solid"/>
+                      <a:round/>
+                      <a:headEnd type="none" w="med" len="med"/>
+                      <a:tailEnd type="none" w="med" len="med"/>
+                    </a:lnL>
+                    <a:lnR w="12700" cap="flat" cmpd="sng" algn="ctr">
+                      <a:solidFill>
+                        <a:srgbClr val="A0C035"/>
+                      </a:solidFill>
+                      <a:prstDash val="solid"/>
+                      <a:round/>
+                      <a:headEnd type="none" w="med" len="med"/>
+                      <a:tailEnd type="none" w="med" len="med"/>
+                    </a:lnR>
+                    <a:lnT w="9525" cap="flat" cmpd="sng" algn="ctr">
+                      <a:solidFill>
+                        <a:srgbClr val="DDDDDD"/>
+                      </a:solidFill>
+                      <a:prstDash val="solid"/>
+                      <a:round/>
+                      <a:headEnd type="none" w="med" len="med"/>
+                      <a:tailEnd type="none" w="med" len="med"/>
+                    </a:lnT>
+                    <a:lnB w="9525" cap="flat" cmpd="sng" algn="ctr">
+                      <a:solidFill>
+                        <a:srgbClr val="DDDDDD"/>
+                      </a:solidFill>
+                      <a:prstDash val="solid"/>
+                      <a:round/>
+                      <a:headEnd type="none" w="med" len="med"/>
+                      <a:tailEnd type="none" w="med" len="med"/>
+                    </a:lnB>
+                    <a:solidFill>
+                      <a:srgbClr val="F9F9F9"/>
+                    </a:solidFill>
+                  </a:tcPr>
+                </a:tc>
+                <a:extLst>
+                  <a:ext uri="{0D108BD9-81ED-4DB2-BD59-A6C34878D82A}">
+                    <a16:rowId xmlns:a16="http://schemas.microsoft.com/office/drawing/2014/main" val="3686862235"/>
+                  </a:ext>
+                </a:extLst>
+              </a:tr>
+              <a:tr h="251755">
+                <a:tc>
+                  <a:txBody>
+                    <a:bodyPr/>
+                    <a:lstStyle/>
+                    <a:p>
+                      <a:pPr fontAlgn="t"/>
+                      <a:r>
+                        <a:rPr lang="sv-SE" sz="1200">
+                          <a:effectLst/>
+                        </a:rPr>
+                        <a:t>Brazil</a:t>
+                      </a:r>
+                    </a:p>
+                  </a:txBody>
+                  <a:tcPr marL="99419" marR="99419" marT="49710" marB="49710">
+                    <a:lnL w="12700" cap="flat" cmpd="sng" algn="ctr">
+                      <a:solidFill>
+                        <a:srgbClr val="B0C935"/>
+                      </a:solidFill>
+                      <a:prstDash val="solid"/>
+                      <a:round/>
+                      <a:headEnd type="none" w="med" len="med"/>
+                      <a:tailEnd type="none" w="med" len="med"/>
+                    </a:lnL>
+                    <a:lnR w="12700" cap="flat" cmpd="sng" algn="ctr">
+                      <a:solidFill>
+                        <a:srgbClr val="B0C935"/>
+                      </a:solidFill>
+                      <a:prstDash val="solid"/>
+                      <a:round/>
+                      <a:headEnd type="none" w="med" len="med"/>
+                      <a:tailEnd type="none" w="med" len="med"/>
+                    </a:lnR>
+                    <a:lnT w="9525" cap="flat" cmpd="sng" algn="ctr">
+                      <a:solidFill>
+                        <a:srgbClr val="DDDDDD"/>
+                      </a:solidFill>
+                      <a:prstDash val="solid"/>
+                      <a:round/>
+                      <a:headEnd type="none" w="med" len="med"/>
+                      <a:tailEnd type="none" w="med" len="med"/>
+                    </a:lnT>
+                    <a:lnB w="9525" cap="flat" cmpd="sng" algn="ctr">
+                      <a:solidFill>
+                        <a:srgbClr val="DDDDDD"/>
+                      </a:solidFill>
+                      <a:prstDash val="solid"/>
+                      <a:round/>
+                      <a:headEnd type="none" w="med" len="med"/>
+                      <a:tailEnd type="none" w="med" len="med"/>
+                    </a:lnB>
+                    <a:solidFill>
+                      <a:srgbClr val="FFFFFF"/>
+                    </a:solidFill>
+                  </a:tcPr>
+                </a:tc>
+                <a:tc>
+                  <a:txBody>
+                    <a:bodyPr/>
+                    <a:lstStyle/>
+                    <a:p>
+                      <a:pPr fontAlgn="t"/>
+                      <a:r>
+                        <a:rPr lang="sv-SE" sz="1200">
+                          <a:effectLst/>
+                        </a:rPr>
+                        <a:t>203 million</a:t>
+                      </a:r>
+                    </a:p>
+                  </a:txBody>
+                  <a:tcPr marL="99419" marR="99419" marT="49710" marB="49710">
+                    <a:lnL w="12700" cap="flat" cmpd="sng" algn="ctr">
+                      <a:solidFill>
+                        <a:srgbClr val="B0C935"/>
+                      </a:solidFill>
+                      <a:prstDash val="solid"/>
+                      <a:round/>
+                      <a:headEnd type="none" w="med" len="med"/>
+                      <a:tailEnd type="none" w="med" len="med"/>
+                    </a:lnL>
+                    <a:lnR w="12700" cap="flat" cmpd="sng" algn="ctr">
+                      <a:solidFill>
+                        <a:srgbClr val="B0C935"/>
+                      </a:solidFill>
+                      <a:prstDash val="solid"/>
+                      <a:round/>
+                      <a:headEnd type="none" w="med" len="med"/>
+                      <a:tailEnd type="none" w="med" len="med"/>
+                    </a:lnR>
+                    <a:lnT w="9525" cap="flat" cmpd="sng" algn="ctr">
+                      <a:solidFill>
+                        <a:srgbClr val="DDDDDD"/>
+                      </a:solidFill>
+                      <a:prstDash val="solid"/>
+                      <a:round/>
+                      <a:headEnd type="none" w="med" len="med"/>
+                      <a:tailEnd type="none" w="med" len="med"/>
+                    </a:lnT>
+                    <a:lnB w="9525" cap="flat" cmpd="sng" algn="ctr">
+                      <a:solidFill>
+                        <a:srgbClr val="DDDDDD"/>
+                      </a:solidFill>
+                      <a:prstDash val="solid"/>
+                      <a:round/>
+                      <a:headEnd type="none" w="med" len="med"/>
+                      <a:tailEnd type="none" w="med" len="med"/>
+                    </a:lnB>
+                    <a:solidFill>
+                      <a:srgbClr val="FFFFFF"/>
+                    </a:solidFill>
+                  </a:tcPr>
+                </a:tc>
+                <a:tc>
+                  <a:txBody>
+                    <a:bodyPr/>
+                    <a:lstStyle/>
+                    <a:p>
+                      <a:pPr fontAlgn="t"/>
+                      <a:r>
+                        <a:rPr lang="sv-SE" sz="1200">
+                          <a:effectLst/>
+                        </a:rPr>
+                        <a:t>91%</a:t>
+                      </a:r>
+                    </a:p>
+                  </a:txBody>
+                  <a:tcPr marL="99419" marR="99419" marT="49710" marB="49710">
+                    <a:lnL w="12700" cap="flat" cmpd="sng" algn="ctr">
+                      <a:solidFill>
+                        <a:srgbClr val="B0C935"/>
+                      </a:solidFill>
+                      <a:prstDash val="solid"/>
+                      <a:round/>
+                      <a:headEnd type="none" w="med" len="med"/>
+                      <a:tailEnd type="none" w="med" len="med"/>
+                    </a:lnL>
+                    <a:lnR w="12700" cap="flat" cmpd="sng" algn="ctr">
+                      <a:solidFill>
+                        <a:srgbClr val="B0C935"/>
+                      </a:solidFill>
+                      <a:prstDash val="solid"/>
+                      <a:round/>
+                      <a:headEnd type="none" w="med" len="med"/>
+                      <a:tailEnd type="none" w="med" len="med"/>
+                    </a:lnR>
+                    <a:lnT w="9525" cap="flat" cmpd="sng" algn="ctr">
+                      <a:solidFill>
+                        <a:srgbClr val="DDDDDD"/>
+                      </a:solidFill>
+                      <a:prstDash val="solid"/>
+                      <a:round/>
+                      <a:headEnd type="none" w="med" len="med"/>
+                      <a:tailEnd type="none" w="med" len="med"/>
+                    </a:lnT>
+                    <a:lnB w="9525" cap="flat" cmpd="sng" algn="ctr">
+                      <a:solidFill>
+                        <a:srgbClr val="DDDDDD"/>
+                      </a:solidFill>
+                      <a:prstDash val="solid"/>
+                      <a:round/>
+                      <a:headEnd type="none" w="med" len="med"/>
+                      <a:tailEnd type="none" w="med" len="med"/>
+                    </a:lnB>
+                    <a:solidFill>
+                      <a:srgbClr val="FFFFFF"/>
+                    </a:solidFill>
+                  </a:tcPr>
+                </a:tc>
+                <a:extLst>
+                  <a:ext uri="{0D108BD9-81ED-4DB2-BD59-A6C34878D82A}">
+                    <a16:rowId xmlns:a16="http://schemas.microsoft.com/office/drawing/2014/main" val="2755404108"/>
+                  </a:ext>
+                </a:extLst>
+              </a:tr>
+              <a:tr h="251755">
+                <a:tc>
+                  <a:txBody>
+                    <a:bodyPr/>
+                    <a:lstStyle/>
+                    <a:p>
+                      <a:pPr fontAlgn="t"/>
+                      <a:r>
+                        <a:rPr lang="sv-SE" sz="1200" dirty="0">
+                          <a:effectLst/>
+                        </a:rPr>
+                        <a:t>Colombia</a:t>
+                      </a:r>
+                    </a:p>
+                  </a:txBody>
+                  <a:tcPr marL="99419" marR="99419" marT="49710" marB="49710">
+                    <a:lnL w="12700" cap="flat" cmpd="sng" algn="ctr">
+                      <a:solidFill>
+                        <a:srgbClr val="80CC35"/>
+                      </a:solidFill>
+                      <a:prstDash val="solid"/>
+                      <a:round/>
+                      <a:headEnd type="none" w="med" len="med"/>
+                      <a:tailEnd type="none" w="med" len="med"/>
+                    </a:lnL>
+                    <a:lnR w="12700" cap="flat" cmpd="sng" algn="ctr">
+                      <a:solidFill>
+                        <a:srgbClr val="80CC35"/>
+                      </a:solidFill>
+                      <a:prstDash val="solid"/>
+                      <a:round/>
+                      <a:headEnd type="none" w="med" len="med"/>
+                      <a:tailEnd type="none" w="med" len="med"/>
+                    </a:lnR>
+                    <a:lnT w="9525" cap="flat" cmpd="sng" algn="ctr">
+                      <a:solidFill>
+                        <a:srgbClr val="DDDDDD"/>
+                      </a:solidFill>
+                      <a:prstDash val="solid"/>
+                      <a:round/>
+                      <a:headEnd type="none" w="med" len="med"/>
+                      <a:tailEnd type="none" w="med" len="med"/>
+                    </a:lnT>
+                    <a:lnB w="9525" cap="flat" cmpd="sng" algn="ctr">
+                      <a:solidFill>
+                        <a:srgbClr val="DDDDDD"/>
+                      </a:solidFill>
+                      <a:prstDash val="solid"/>
+                      <a:round/>
+                      <a:headEnd type="none" w="med" len="med"/>
+                      <a:tailEnd type="none" w="med" len="med"/>
+                    </a:lnB>
+                    <a:solidFill>
+                      <a:srgbClr val="F9F9F9"/>
+                    </a:solidFill>
+                  </a:tcPr>
+                </a:tc>
+                <a:tc>
+                  <a:txBody>
+                    <a:bodyPr/>
+                    <a:lstStyle/>
+                    <a:p>
+                      <a:pPr fontAlgn="t"/>
+                      <a:r>
+                        <a:rPr lang="sv-SE" sz="1200">
+                          <a:effectLst/>
+                        </a:rPr>
+                        <a:t>47 million</a:t>
+                      </a:r>
+                    </a:p>
+                  </a:txBody>
+                  <a:tcPr marL="99419" marR="99419" marT="49710" marB="49710">
+                    <a:lnL w="12700" cap="flat" cmpd="sng" algn="ctr">
+                      <a:solidFill>
+                        <a:srgbClr val="80CC35"/>
+                      </a:solidFill>
+                      <a:prstDash val="solid"/>
+                      <a:round/>
+                      <a:headEnd type="none" w="med" len="med"/>
+                      <a:tailEnd type="none" w="med" len="med"/>
+                    </a:lnL>
+                    <a:lnR w="12700" cap="flat" cmpd="sng" algn="ctr">
+                      <a:solidFill>
+                        <a:srgbClr val="80CC35"/>
+                      </a:solidFill>
+                      <a:prstDash val="solid"/>
+                      <a:round/>
+                      <a:headEnd type="none" w="med" len="med"/>
+                      <a:tailEnd type="none" w="med" len="med"/>
+                    </a:lnR>
+                    <a:lnT w="9525" cap="flat" cmpd="sng" algn="ctr">
+                      <a:solidFill>
+                        <a:srgbClr val="DDDDDD"/>
+                      </a:solidFill>
+                      <a:prstDash val="solid"/>
+                      <a:round/>
+                      <a:headEnd type="none" w="med" len="med"/>
+                      <a:tailEnd type="none" w="med" len="med"/>
+                    </a:lnT>
+                    <a:lnB w="9525" cap="flat" cmpd="sng" algn="ctr">
+                      <a:solidFill>
+                        <a:srgbClr val="DDDDDD"/>
+                      </a:solidFill>
+                      <a:prstDash val="solid"/>
+                      <a:round/>
+                      <a:headEnd type="none" w="med" len="med"/>
+                      <a:tailEnd type="none" w="med" len="med"/>
+                    </a:lnB>
+                    <a:solidFill>
+                      <a:srgbClr val="F9F9F9"/>
+                    </a:solidFill>
+                  </a:tcPr>
+                </a:tc>
+                <a:tc>
+                  <a:txBody>
+                    <a:bodyPr/>
+                    <a:lstStyle/>
+                    <a:p>
+                      <a:pPr fontAlgn="t"/>
+                      <a:r>
+                        <a:rPr lang="sv-SE" sz="1200">
+                          <a:effectLst/>
+                        </a:rPr>
+                        <a:t>94%</a:t>
+                      </a:r>
+                    </a:p>
+                  </a:txBody>
+                  <a:tcPr marL="99419" marR="99419" marT="49710" marB="49710">
+                    <a:lnL w="12700" cap="flat" cmpd="sng" algn="ctr">
+                      <a:solidFill>
+                        <a:srgbClr val="80CC35"/>
+                      </a:solidFill>
+                      <a:prstDash val="solid"/>
+                      <a:round/>
+                      <a:headEnd type="none" w="med" len="med"/>
+                      <a:tailEnd type="none" w="med" len="med"/>
+                    </a:lnL>
+                    <a:lnR w="12700" cap="flat" cmpd="sng" algn="ctr">
+                      <a:solidFill>
+                        <a:srgbClr val="80CC35"/>
+                      </a:solidFill>
+                      <a:prstDash val="solid"/>
+                      <a:round/>
+                      <a:headEnd type="none" w="med" len="med"/>
+                      <a:tailEnd type="none" w="med" len="med"/>
+                    </a:lnR>
+                    <a:lnT w="9525" cap="flat" cmpd="sng" algn="ctr">
+                      <a:solidFill>
+                        <a:srgbClr val="DDDDDD"/>
+                      </a:solidFill>
+                      <a:prstDash val="solid"/>
+                      <a:round/>
+                      <a:headEnd type="none" w="med" len="med"/>
+                      <a:tailEnd type="none" w="med" len="med"/>
+                    </a:lnT>
+                    <a:lnB w="9525" cap="flat" cmpd="sng" algn="ctr">
+                      <a:solidFill>
+                        <a:srgbClr val="DDDDDD"/>
+                      </a:solidFill>
+                      <a:prstDash val="solid"/>
+                      <a:round/>
+                      <a:headEnd type="none" w="med" len="med"/>
+                      <a:tailEnd type="none" w="med" len="med"/>
+                    </a:lnB>
+                    <a:solidFill>
+                      <a:srgbClr val="F9F9F9"/>
+                    </a:solidFill>
+                  </a:tcPr>
+                </a:tc>
+                <a:extLst>
+                  <a:ext uri="{0D108BD9-81ED-4DB2-BD59-A6C34878D82A}">
+                    <a16:rowId xmlns:a16="http://schemas.microsoft.com/office/drawing/2014/main" val="1326695157"/>
+                  </a:ext>
+                </a:extLst>
+              </a:tr>
+              <a:tr h="251755">
+                <a:tc>
+                  <a:txBody>
+                    <a:bodyPr/>
+                    <a:lstStyle/>
+                    <a:p>
+                      <a:pPr fontAlgn="t"/>
+                      <a:r>
+                        <a:rPr lang="sv-SE" sz="1200" dirty="0">
+                          <a:effectLst/>
+                        </a:rPr>
+                        <a:t>Ecuador</a:t>
+                      </a:r>
+                    </a:p>
+                  </a:txBody>
+                  <a:tcPr marL="99419" marR="99419" marT="49710" marB="49710">
+                    <a:lnL w="12700" cap="flat" cmpd="sng" algn="ctr">
+                      <a:solidFill>
+                        <a:srgbClr val="E0D535"/>
+                      </a:solidFill>
+                      <a:prstDash val="solid"/>
+                      <a:round/>
+                      <a:headEnd type="none" w="med" len="med"/>
+                      <a:tailEnd type="none" w="med" len="med"/>
+                    </a:lnL>
+                    <a:lnR w="12700" cap="flat" cmpd="sng" algn="ctr">
+                      <a:solidFill>
+                        <a:srgbClr val="E0D535"/>
+                      </a:solidFill>
+                      <a:prstDash val="solid"/>
+                      <a:round/>
+                      <a:headEnd type="none" w="med" len="med"/>
+                      <a:tailEnd type="none" w="med" len="med"/>
+                    </a:lnR>
+                    <a:lnT w="9525" cap="flat" cmpd="sng" algn="ctr">
+                      <a:solidFill>
+                        <a:srgbClr val="DDDDDD"/>
+                      </a:solidFill>
+                      <a:prstDash val="solid"/>
+                      <a:round/>
+                      <a:headEnd type="none" w="med" len="med"/>
+                      <a:tailEnd type="none" w="med" len="med"/>
+                    </a:lnT>
+                    <a:lnB w="9525" cap="flat" cmpd="sng" algn="ctr">
+                      <a:solidFill>
+                        <a:srgbClr val="DDDDDD"/>
+                      </a:solidFill>
+                      <a:prstDash val="solid"/>
+                      <a:round/>
+                      <a:headEnd type="none" w="med" len="med"/>
+                      <a:tailEnd type="none" w="med" len="med"/>
+                    </a:lnB>
+                    <a:solidFill>
+                      <a:srgbClr val="FFFFFF"/>
+                    </a:solidFill>
+                  </a:tcPr>
+                </a:tc>
+                <a:tc>
+                  <a:txBody>
+                    <a:bodyPr/>
+                    <a:lstStyle/>
+                    <a:p>
+                      <a:pPr fontAlgn="t"/>
+                      <a:r>
+                        <a:rPr lang="sv-SE" sz="1200" dirty="0">
+                          <a:effectLst/>
+                        </a:rPr>
+                        <a:t>15 million</a:t>
+                      </a:r>
+                    </a:p>
+                  </a:txBody>
+                  <a:tcPr marL="99419" marR="99419" marT="49710" marB="49710">
+                    <a:lnL w="12700" cap="flat" cmpd="sng" algn="ctr">
+                      <a:solidFill>
+                        <a:srgbClr val="E0D535"/>
+                      </a:solidFill>
+                      <a:prstDash val="solid"/>
+                      <a:round/>
+                      <a:headEnd type="none" w="med" len="med"/>
+                      <a:tailEnd type="none" w="med" len="med"/>
+                    </a:lnL>
+                    <a:lnR w="12700" cap="flat" cmpd="sng" algn="ctr">
+                      <a:solidFill>
+                        <a:srgbClr val="E0D535"/>
+                      </a:solidFill>
+                      <a:prstDash val="solid"/>
+                      <a:round/>
+                      <a:headEnd type="none" w="med" len="med"/>
+                      <a:tailEnd type="none" w="med" len="med"/>
+                    </a:lnR>
+                    <a:lnT w="9525" cap="flat" cmpd="sng" algn="ctr">
+                      <a:solidFill>
+                        <a:srgbClr val="DDDDDD"/>
+                      </a:solidFill>
+                      <a:prstDash val="solid"/>
+                      <a:round/>
+                      <a:headEnd type="none" w="med" len="med"/>
+                      <a:tailEnd type="none" w="med" len="med"/>
+                    </a:lnT>
+                    <a:lnB w="9525" cap="flat" cmpd="sng" algn="ctr">
+                      <a:solidFill>
+                        <a:srgbClr val="DDDDDD"/>
+                      </a:solidFill>
+                      <a:prstDash val="solid"/>
+                      <a:round/>
+                      <a:headEnd type="none" w="med" len="med"/>
+                      <a:tailEnd type="none" w="med" len="med"/>
+                    </a:lnB>
+                    <a:solidFill>
+                      <a:srgbClr val="FFFFFF"/>
+                    </a:solidFill>
+                  </a:tcPr>
+                </a:tc>
+                <a:tc>
+                  <a:txBody>
+                    <a:bodyPr/>
+                    <a:lstStyle/>
+                    <a:p>
+                      <a:pPr fontAlgn="t"/>
+                      <a:r>
+                        <a:rPr lang="sv-SE" sz="1200">
+                          <a:effectLst/>
+                        </a:rPr>
+                        <a:t>92%</a:t>
+                      </a:r>
+                    </a:p>
+                  </a:txBody>
+                  <a:tcPr marL="99419" marR="99419" marT="49710" marB="49710">
+                    <a:lnL w="12700" cap="flat" cmpd="sng" algn="ctr">
+                      <a:solidFill>
+                        <a:srgbClr val="E0D535"/>
+                      </a:solidFill>
+                      <a:prstDash val="solid"/>
+                      <a:round/>
+                      <a:headEnd type="none" w="med" len="med"/>
+                      <a:tailEnd type="none" w="med" len="med"/>
+                    </a:lnL>
+                    <a:lnR w="12700" cap="flat" cmpd="sng" algn="ctr">
+                      <a:solidFill>
+                        <a:srgbClr val="E0D535"/>
+                      </a:solidFill>
+                      <a:prstDash val="solid"/>
+                      <a:round/>
+                      <a:headEnd type="none" w="med" len="med"/>
+                      <a:tailEnd type="none" w="med" len="med"/>
+                    </a:lnR>
+                    <a:lnT w="9525" cap="flat" cmpd="sng" algn="ctr">
+                      <a:solidFill>
+                        <a:srgbClr val="DDDDDD"/>
+                      </a:solidFill>
+                      <a:prstDash val="solid"/>
+                      <a:round/>
+                      <a:headEnd type="none" w="med" len="med"/>
+                      <a:tailEnd type="none" w="med" len="med"/>
+                    </a:lnT>
+                    <a:lnB w="9525" cap="flat" cmpd="sng" algn="ctr">
+                      <a:solidFill>
+                        <a:srgbClr val="DDDDDD"/>
+                      </a:solidFill>
+                      <a:prstDash val="solid"/>
+                      <a:round/>
+                      <a:headEnd type="none" w="med" len="med"/>
+                      <a:tailEnd type="none" w="med" len="med"/>
+                    </a:lnB>
+                    <a:solidFill>
+                      <a:srgbClr val="FFFFFF"/>
+                    </a:solidFill>
+                  </a:tcPr>
+                </a:tc>
+                <a:extLst>
+                  <a:ext uri="{0D108BD9-81ED-4DB2-BD59-A6C34878D82A}">
+                    <a16:rowId xmlns:a16="http://schemas.microsoft.com/office/drawing/2014/main" val="2512597931"/>
+                  </a:ext>
+                </a:extLst>
+              </a:tr>
+              <a:tr h="251755">
+                <a:tc>
+                  <a:txBody>
+                    <a:bodyPr/>
+                    <a:lstStyle/>
+                    <a:p>
+                      <a:pPr fontAlgn="t"/>
+                      <a:r>
+                        <a:rPr lang="sv-SE" sz="1200" dirty="0">
+                          <a:effectLst/>
+                        </a:rPr>
+                        <a:t>...</a:t>
+                      </a:r>
+                    </a:p>
+                  </a:txBody>
+                  <a:tcPr marL="99419" marR="99419" marT="49710" marB="49710">
+                    <a:lnL w="9525" cap="flat" cmpd="sng" algn="ctr">
+                      <a:solidFill>
+                        <a:schemeClr val="bg1"/>
+                      </a:solidFill>
+                      <a:prstDash val="solid"/>
+                      <a:round/>
+                      <a:headEnd type="none" w="med" len="med"/>
+                      <a:tailEnd type="none" w="med" len="med"/>
+                    </a:lnL>
+                    <a:lnR w="9525" cap="flat" cmpd="sng" algn="ctr">
+                      <a:solidFill>
+                        <a:schemeClr val="bg1"/>
+                      </a:solidFill>
+                      <a:prstDash val="solid"/>
+                      <a:round/>
+                      <a:headEnd type="none" w="med" len="med"/>
+                      <a:tailEnd type="none" w="med" len="med"/>
+                    </a:lnR>
+                    <a:lnT w="9525" cap="flat" cmpd="sng" algn="ctr">
+                      <a:solidFill>
+                        <a:srgbClr val="DDDDDD"/>
+                      </a:solidFill>
+                      <a:prstDash val="solid"/>
+                      <a:round/>
+                      <a:headEnd type="none" w="med" len="med"/>
+                      <a:tailEnd type="none" w="med" len="med"/>
+                    </a:lnT>
+                    <a:lnB w="9525" cap="flat" cmpd="sng" algn="ctr">
+                      <a:solidFill>
+                        <a:srgbClr val="DDDDDD"/>
+                      </a:solidFill>
+                      <a:prstDash val="solid"/>
+                      <a:round/>
+                      <a:headEnd type="none" w="med" len="med"/>
+                      <a:tailEnd type="none" w="med" len="med"/>
+                    </a:lnB>
+                    <a:solidFill>
+                      <a:srgbClr val="F9F9F9"/>
+                    </a:solidFill>
+                  </a:tcPr>
+                </a:tc>
+                <a:tc>
+                  <a:txBody>
+                    <a:bodyPr/>
+                    <a:lstStyle/>
+                    <a:p>
+                      <a:pPr fontAlgn="t"/>
+                      <a:r>
+                        <a:rPr lang="sv-SE" sz="1200" dirty="0">
+                          <a:effectLst/>
+                        </a:rPr>
+                        <a:t>...</a:t>
+                      </a:r>
+                    </a:p>
+                  </a:txBody>
+                  <a:tcPr marL="99419" marR="99419" marT="49710" marB="49710">
+                    <a:lnL w="9525" cap="flat" cmpd="sng" algn="ctr">
+                      <a:solidFill>
+                        <a:schemeClr val="bg1"/>
+                      </a:solidFill>
+                      <a:prstDash val="solid"/>
+                      <a:round/>
+                      <a:headEnd type="none" w="med" len="med"/>
+                      <a:tailEnd type="none" w="med" len="med"/>
+                    </a:lnL>
+                    <a:lnR w="9525" cap="flat" cmpd="sng" algn="ctr">
+                      <a:solidFill>
+                        <a:schemeClr val="bg1"/>
+                      </a:solidFill>
+                      <a:prstDash val="solid"/>
+                      <a:round/>
+                      <a:headEnd type="none" w="med" len="med"/>
+                      <a:tailEnd type="none" w="med" len="med"/>
+                    </a:lnR>
+                    <a:lnT w="9525" cap="flat" cmpd="sng" algn="ctr">
+                      <a:solidFill>
+                        <a:srgbClr val="DDDDDD"/>
+                      </a:solidFill>
+                      <a:prstDash val="solid"/>
+                      <a:round/>
+                      <a:headEnd type="none" w="med" len="med"/>
+                      <a:tailEnd type="none" w="med" len="med"/>
+                    </a:lnT>
+                    <a:lnB w="9525" cap="flat" cmpd="sng" algn="ctr">
+                      <a:solidFill>
+                        <a:srgbClr val="DDDDDD"/>
+                      </a:solidFill>
+                      <a:prstDash val="solid"/>
+                      <a:round/>
+                      <a:headEnd type="none" w="med" len="med"/>
+                      <a:tailEnd type="none" w="med" len="med"/>
+                    </a:lnB>
+                    <a:solidFill>
+                      <a:srgbClr val="F9F9F9"/>
+                    </a:solidFill>
+                  </a:tcPr>
+                </a:tc>
+                <a:tc>
+                  <a:txBody>
+                    <a:bodyPr/>
+                    <a:lstStyle/>
+                    <a:p>
+                      <a:pPr fontAlgn="t"/>
+                      <a:r>
+                        <a:rPr lang="sv-SE" sz="1200" dirty="0">
+                          <a:effectLst/>
+                        </a:rPr>
+                        <a:t>...</a:t>
+                      </a:r>
+                    </a:p>
+                  </a:txBody>
+                  <a:tcPr marL="99419" marR="99419" marT="49710" marB="49710">
+                    <a:lnL w="9525" cap="flat" cmpd="sng" algn="ctr">
+                      <a:solidFill>
+                        <a:schemeClr val="bg1"/>
+                      </a:solidFill>
+                      <a:prstDash val="solid"/>
+                      <a:round/>
+                      <a:headEnd type="none" w="med" len="med"/>
+                      <a:tailEnd type="none" w="med" len="med"/>
+                    </a:lnL>
+                    <a:lnR w="9525" cap="flat" cmpd="sng" algn="ctr">
+                      <a:solidFill>
+                        <a:schemeClr val="bg1"/>
+                      </a:solidFill>
+                      <a:prstDash val="solid"/>
+                      <a:round/>
+                      <a:headEnd type="none" w="med" len="med"/>
+                      <a:tailEnd type="none" w="med" len="med"/>
+                    </a:lnR>
+                    <a:lnT w="9525" cap="flat" cmpd="sng" algn="ctr">
+                      <a:solidFill>
+                        <a:srgbClr val="DDDDDD"/>
+                      </a:solidFill>
+                      <a:prstDash val="solid"/>
+                      <a:round/>
+                      <a:headEnd type="none" w="med" len="med"/>
+                      <a:tailEnd type="none" w="med" len="med"/>
+                    </a:lnT>
+                    <a:lnB w="9525" cap="flat" cmpd="sng" algn="ctr">
+                      <a:solidFill>
+                        <a:srgbClr val="DDDDDD"/>
+                      </a:solidFill>
+                      <a:prstDash val="solid"/>
+                      <a:round/>
+                      <a:headEnd type="none" w="med" len="med"/>
+                      <a:tailEnd type="none" w="med" len="med"/>
+                    </a:lnB>
+                    <a:solidFill>
+                      <a:srgbClr val="F9F9F9"/>
+                    </a:solidFill>
+                  </a:tcPr>
+                </a:tc>
+                <a:extLst>
+                  <a:ext uri="{0D108BD9-81ED-4DB2-BD59-A6C34878D82A}">
+                    <a16:rowId xmlns:a16="http://schemas.microsoft.com/office/drawing/2014/main" val="2888746211"/>
+                  </a:ext>
+                </a:extLst>
+              </a:tr>
+            </a:tbl>
+          </a:graphicData>
+        </a:graphic>
+      </p:graphicFrame>
+      <p:sp>
+        <p:nvSpPr>
+          <p:cNvPr id="8" name="Arrow: Right 7">
+            <a:extLst>
+              <a:ext uri="{FF2B5EF4-FFF2-40B4-BE49-F238E27FC236}">
+                <a16:creationId xmlns:a16="http://schemas.microsoft.com/office/drawing/2014/main" id="{2C3117AF-0D22-3D9C-AD4E-98955F71AED5}"/>
+              </a:ext>
+            </a:extLst>
+          </p:cNvPr>
+          <p:cNvSpPr/>
+          <p:nvPr/>
+        </p:nvSpPr>
+        <p:spPr>
+          <a:xfrm rot="20421876">
+            <a:off x="2158281" y="5006060"/>
+            <a:ext cx="659627" cy="326731"/>
+          </a:xfrm>
+          <a:prstGeom prst="rightArrow">
+            <a:avLst/>
+          </a:prstGeom>
+        </p:spPr>
+        <p:style>
+          <a:lnRef idx="2">
+            <a:schemeClr val="accent1">
+              <a:shade val="50000"/>
+            </a:schemeClr>
+          </a:lnRef>
+          <a:fillRef idx="1">
+            <a:schemeClr val="accent1"/>
+          </a:fillRef>
+          <a:effectRef idx="0">
+            <a:schemeClr val="accent1"/>
+          </a:effectRef>
+          <a:fontRef idx="minor">
+            <a:schemeClr val="lt1"/>
+          </a:fontRef>
+        </p:style>
+        <p:txBody>
+          <a:bodyPr rtlCol="0" anchor="ctr"/>
+          <a:lstStyle/>
+          <a:p>
+            <a:pPr algn="ctr"/>
+            <a:endParaRPr lang="sv-SE"/>
+          </a:p>
+        </p:txBody>
+      </p:sp>
+      <p:sp>
+        <p:nvSpPr>
+          <p:cNvPr id="9" name="Arrow: Right 8">
+            <a:extLst>
+              <a:ext uri="{FF2B5EF4-FFF2-40B4-BE49-F238E27FC236}">
+                <a16:creationId xmlns:a16="http://schemas.microsoft.com/office/drawing/2014/main" id="{D81838EC-022A-890D-CE39-D318DE0FD810}"/>
+              </a:ext>
+            </a:extLst>
+          </p:cNvPr>
+          <p:cNvSpPr/>
+          <p:nvPr/>
+        </p:nvSpPr>
+        <p:spPr>
+          <a:xfrm rot="1402452">
+            <a:off x="6536717" y="4873049"/>
+            <a:ext cx="659627" cy="326731"/>
+          </a:xfrm>
+          <a:prstGeom prst="rightArrow">
+            <a:avLst/>
+          </a:prstGeom>
+        </p:spPr>
+        <p:style>
+          <a:lnRef idx="2">
+            <a:schemeClr val="accent1">
+              <a:shade val="50000"/>
+            </a:schemeClr>
+          </a:lnRef>
+          <a:fillRef idx="1">
+            <a:schemeClr val="accent1"/>
+          </a:fillRef>
+          <a:effectRef idx="0">
+            <a:schemeClr val="accent1"/>
+          </a:effectRef>
+          <a:fontRef idx="minor">
+            <a:schemeClr val="lt1"/>
+          </a:fontRef>
+        </p:style>
+        <p:txBody>
+          <a:bodyPr rtlCol="0" anchor="ctr"/>
+          <a:lstStyle/>
+          <a:p>
+            <a:pPr algn="ctr"/>
+            <a:endParaRPr lang="sv-SE"/>
+          </a:p>
+        </p:txBody>
+      </p:sp>
+      <p:sp>
+        <p:nvSpPr>
+          <p:cNvPr id="10" name="TextBox 9">
+            <a:extLst>
+              <a:ext uri="{FF2B5EF4-FFF2-40B4-BE49-F238E27FC236}">
+                <a16:creationId xmlns:a16="http://schemas.microsoft.com/office/drawing/2014/main" id="{641EAD22-D36A-A203-7D30-411CD2015783}"/>
+              </a:ext>
+            </a:extLst>
+          </p:cNvPr>
+          <p:cNvSpPr txBox="1"/>
+          <p:nvPr/>
+        </p:nvSpPr>
+        <p:spPr>
+          <a:xfrm>
+            <a:off x="693620" y="6124832"/>
+            <a:ext cx="942759" cy="369332"/>
+          </a:xfrm>
+          <a:prstGeom prst="rect">
+            <a:avLst/>
+          </a:prstGeom>
+          <a:noFill/>
+        </p:spPr>
+        <p:txBody>
+          <a:bodyPr wrap="none" rtlCol="0">
+            <a:spAutoFit/>
+          </a:bodyPr>
+          <a:lstStyle/>
+          <a:p>
+            <a:r>
+              <a:rPr lang="sv-SE" dirty="0"/>
+              <a:t>Databas</a:t>
+            </a:r>
+          </a:p>
+        </p:txBody>
+      </p:sp>
+      <p:sp>
+        <p:nvSpPr>
+          <p:cNvPr id="11" name="TextBox 10">
+            <a:extLst>
+              <a:ext uri="{FF2B5EF4-FFF2-40B4-BE49-F238E27FC236}">
+                <a16:creationId xmlns:a16="http://schemas.microsoft.com/office/drawing/2014/main" id="{73CBE08C-FF51-1E50-DA44-3174290C89A8}"/>
+              </a:ext>
+            </a:extLst>
+          </p:cNvPr>
+          <p:cNvSpPr txBox="1"/>
+          <p:nvPr/>
+        </p:nvSpPr>
+        <p:spPr>
+          <a:xfrm>
+            <a:off x="4188770" y="6095033"/>
+            <a:ext cx="1810432" cy="369332"/>
+          </a:xfrm>
+          <a:prstGeom prst="rect">
+            <a:avLst/>
+          </a:prstGeom>
+          <a:noFill/>
+        </p:spPr>
+        <p:txBody>
+          <a:bodyPr wrap="none" rtlCol="0">
+            <a:spAutoFit/>
+          </a:bodyPr>
+          <a:lstStyle/>
+          <a:p>
+            <a:r>
+              <a:rPr lang="sv-SE" dirty="0"/>
+              <a:t>Relationsdiagram</a:t>
+            </a:r>
+          </a:p>
+        </p:txBody>
+      </p:sp>
+      <p:sp>
+        <p:nvSpPr>
+          <p:cNvPr id="12" name="TextBox 11">
+            <a:extLst>
+              <a:ext uri="{FF2B5EF4-FFF2-40B4-BE49-F238E27FC236}">
+                <a16:creationId xmlns:a16="http://schemas.microsoft.com/office/drawing/2014/main" id="{A0AE9D2B-6059-C5C1-84E8-8528BB73FA37}"/>
+              </a:ext>
+            </a:extLst>
+          </p:cNvPr>
+          <p:cNvSpPr txBox="1"/>
+          <p:nvPr/>
+        </p:nvSpPr>
+        <p:spPr>
+          <a:xfrm>
+            <a:off x="8277420" y="6364566"/>
+            <a:ext cx="3105274" cy="369332"/>
+          </a:xfrm>
+          <a:prstGeom prst="rect">
+            <a:avLst/>
+          </a:prstGeom>
+          <a:noFill/>
+        </p:spPr>
+        <p:txBody>
+          <a:bodyPr wrap="none" rtlCol="0">
+            <a:spAutoFit/>
+          </a:bodyPr>
+          <a:lstStyle/>
+          <a:p>
+            <a:r>
+              <a:rPr lang="sv-SE" dirty="0"/>
+              <a:t>Tabell med kolumner och rader</a:t>
             </a:r>
           </a:p>
         </p:txBody>
@@ -8115,12 +9986,12 @@
                     <a:p>
                       <a:pPr algn="l" fontAlgn="b"/>
                       <a:r>
-                        <a:rPr lang="sv-SE" b="1">
+                        <a:rPr lang="sv-SE" b="1" dirty="0">
                           <a:effectLst/>
                         </a:rPr>
                         <a:t>country</a:t>
                       </a:r>
-                      <a:endParaRPr lang="sv-SE">
+                      <a:endParaRPr lang="sv-SE" dirty="0">
                         <a:effectLst/>
                       </a:endParaRPr>
                     </a:p>
@@ -8880,7 +10751,7 @@
                     <a:p>
                       <a:pPr fontAlgn="t"/>
                       <a:r>
-                        <a:rPr lang="sv-SE">
+                        <a:rPr lang="sv-SE" dirty="0">
                           <a:effectLst/>
                         </a:rPr>
                         <a:t>15 million</a:t>
@@ -18242,97 +20113,104 @@
           <a:chExt cx="0" cy="0"/>
         </a:xfrm>
       </p:grpSpPr>
-      <p:sp>
-        <p:nvSpPr>
-          <p:cNvPr id="2" name="Title 1">
+      <p:pic>
+        <p:nvPicPr>
+          <p:cNvPr id="1026" name="Picture 2" descr="Structured Query Language - ppt download">
             <a:extLst>
               <a:ext uri="{FF2B5EF4-FFF2-40B4-BE49-F238E27FC236}">
-                <a16:creationId xmlns:a16="http://schemas.microsoft.com/office/drawing/2014/main" id="{FD6F9220-6217-8FC0-8800-A64429AA1C2B}"/>
-              </a:ext>
-            </a:extLst>
-          </p:cNvPr>
-          <p:cNvSpPr>
-            <a:spLocks noGrp="1"/>
-          </p:cNvSpPr>
-          <p:nvPr>
-            <p:ph type="title"/>
-          </p:nvPr>
-        </p:nvSpPr>
-        <p:spPr/>
-        <p:txBody>
-          <a:bodyPr/>
-          <a:lstStyle/>
-          <a:p>
-            <a:r>
-              <a:rPr lang="sv-SE" dirty="0"/>
-              <a:t>Data och Tabeller</a:t>
-            </a:r>
-          </a:p>
-        </p:txBody>
-      </p:sp>
-      <p:pic>
-        <p:nvPicPr>
-          <p:cNvPr id="5" name="Content Placeholder 4">
-            <a:extLst>
-              <a:ext uri="{FF2B5EF4-FFF2-40B4-BE49-F238E27FC236}">
-                <a16:creationId xmlns:a16="http://schemas.microsoft.com/office/drawing/2014/main" id="{81557130-74C2-E8AC-4903-8D405DC3CA60}"/>
+                <a16:creationId xmlns:a16="http://schemas.microsoft.com/office/drawing/2014/main" id="{AA8F12A5-00EA-0A89-A370-ABBDB252ED07}"/>
               </a:ext>
             </a:extLst>
           </p:cNvPr>
           <p:cNvPicPr>
-            <a:picLocks noGrp="1" noChangeAspect="1"/>
+            <a:picLocks noChangeAspect="1" noChangeArrowheads="1"/>
           </p:cNvPicPr>
-          <p:nvPr>
-            <p:ph idx="1"/>
-          </p:nvPr>
+          <p:nvPr/>
         </p:nvPicPr>
         <p:blipFill>
-          <a:blip r:embed="rId2"/>
+          <a:blip r:embed="rId2">
+            <a:extLst>
+              <a:ext uri="{28A0092B-C50C-407E-A947-70E740481C1C}">
+                <a14:useLocalDpi xmlns:a14="http://schemas.microsoft.com/office/drawing/2010/main" val="0"/>
+              </a:ext>
+            </a:extLst>
+          </a:blip>
+          <a:srcRect/>
           <a:stretch>
             <a:fillRect/>
           </a:stretch>
         </p:blipFill>
-        <p:spPr>
+        <p:spPr bwMode="auto">
           <a:xfrm>
-            <a:off x="4743919" y="1284450"/>
-            <a:ext cx="5234965" cy="2699722"/>
+            <a:off x="2623100" y="125672"/>
+            <a:ext cx="6120882" cy="4590661"/>
           </a:xfrm>
+          <a:prstGeom prst="rect">
+            <a:avLst/>
+          </a:prstGeom>
+          <a:noFill/>
+          <a:extLst>
+            <a:ext uri="{909E8E84-426E-40DD-AFC4-6F175D3DCCD1}">
+              <a14:hiddenFill xmlns:a14="http://schemas.microsoft.com/office/drawing/2010/main">
+                <a:solidFill>
+                  <a:srgbClr val="FFFFFF"/>
+                </a:solidFill>
+              </a14:hiddenFill>
+            </a:ext>
+          </a:extLst>
         </p:spPr>
       </p:pic>
       <p:pic>
         <p:nvPicPr>
-          <p:cNvPr id="7" name="Picture 6">
+          <p:cNvPr id="1028" name="Picture 4" descr="SQL Syntax">
             <a:extLst>
               <a:ext uri="{FF2B5EF4-FFF2-40B4-BE49-F238E27FC236}">
-                <a16:creationId xmlns:a16="http://schemas.microsoft.com/office/drawing/2014/main" id="{A79F75C0-478B-8495-1026-31F0E59AF9D2}"/>
+                <a16:creationId xmlns:a16="http://schemas.microsoft.com/office/drawing/2014/main" id="{22FA4C02-3C49-FB41-2932-0DBBAD4718B8}"/>
               </a:ext>
             </a:extLst>
           </p:cNvPr>
           <p:cNvPicPr>
-            <a:picLocks noChangeAspect="1"/>
+            <a:picLocks noChangeAspect="1" noChangeArrowheads="1"/>
           </p:cNvPicPr>
           <p:nvPr/>
         </p:nvPicPr>
         <p:blipFill>
-          <a:blip r:embed="rId3"/>
+          <a:blip r:embed="rId3">
+            <a:extLst>
+              <a:ext uri="{28A0092B-C50C-407E-A947-70E740481C1C}">
+                <a14:useLocalDpi xmlns:a14="http://schemas.microsoft.com/office/drawing/2010/main" val="0"/>
+              </a:ext>
+            </a:extLst>
+          </a:blip>
+          <a:srcRect/>
           <a:stretch>
             <a:fillRect/>
           </a:stretch>
         </p:blipFill>
-        <p:spPr>
+        <p:spPr bwMode="auto">
           <a:xfrm>
-            <a:off x="770747" y="4284929"/>
-            <a:ext cx="10799212" cy="2049611"/>
+            <a:off x="2623100" y="4390344"/>
+            <a:ext cx="7486650" cy="2257425"/>
           </a:xfrm>
           <a:prstGeom prst="rect">
             <a:avLst/>
           </a:prstGeom>
+          <a:noFill/>
+          <a:extLst>
+            <a:ext uri="{909E8E84-426E-40DD-AFC4-6F175D3DCCD1}">
+              <a14:hiddenFill xmlns:a14="http://schemas.microsoft.com/office/drawing/2010/main">
+                <a:solidFill>
+                  <a:srgbClr val="FFFFFF"/>
+                </a:solidFill>
+              </a14:hiddenFill>
+            </a:ext>
+          </a:extLst>
         </p:spPr>
       </p:pic>
     </p:spTree>
     <p:extLst>
       <p:ext uri="{BB962C8B-B14F-4D97-AF65-F5344CB8AC3E}">
-        <p14:creationId xmlns:p14="http://schemas.microsoft.com/office/powerpoint/2010/main" val="2470909460"/>
+        <p14:creationId xmlns:p14="http://schemas.microsoft.com/office/powerpoint/2010/main" val="3110455243"/>
       </p:ext>
     </p:extLst>
   </p:cSld>

--- a/Relationsdatabaser.pptx
+++ b/Relationsdatabaser.pptx
@@ -273,7 +273,7 @@
           <a:p>
             <a:fld id="{EBB56105-ADDE-45DB-A0E5-BD63D6838E0A}" type="datetimeFigureOut">
               <a:rPr lang="sv-SE" smtClean="0"/>
-              <a:t>2023-01-07</a:t>
+              <a:t>2023-01-15</a:t>
             </a:fld>
             <a:endParaRPr lang="sv-SE"/>
           </a:p>
@@ -473,7 +473,7 @@
           <a:p>
             <a:fld id="{EBB56105-ADDE-45DB-A0E5-BD63D6838E0A}" type="datetimeFigureOut">
               <a:rPr lang="sv-SE" smtClean="0"/>
-              <a:t>2023-01-07</a:t>
+              <a:t>2023-01-15</a:t>
             </a:fld>
             <a:endParaRPr lang="sv-SE"/>
           </a:p>
@@ -683,7 +683,7 @@
           <a:p>
             <a:fld id="{EBB56105-ADDE-45DB-A0E5-BD63D6838E0A}" type="datetimeFigureOut">
               <a:rPr lang="sv-SE" smtClean="0"/>
-              <a:t>2023-01-07</a:t>
+              <a:t>2023-01-15</a:t>
             </a:fld>
             <a:endParaRPr lang="sv-SE"/>
           </a:p>
@@ -883,7 +883,7 @@
           <a:p>
             <a:fld id="{EBB56105-ADDE-45DB-A0E5-BD63D6838E0A}" type="datetimeFigureOut">
               <a:rPr lang="sv-SE" smtClean="0"/>
-              <a:t>2023-01-07</a:t>
+              <a:t>2023-01-15</a:t>
             </a:fld>
             <a:endParaRPr lang="sv-SE"/>
           </a:p>
@@ -1159,7 +1159,7 @@
           <a:p>
             <a:fld id="{EBB56105-ADDE-45DB-A0E5-BD63D6838E0A}" type="datetimeFigureOut">
               <a:rPr lang="sv-SE" smtClean="0"/>
-              <a:t>2023-01-07</a:t>
+              <a:t>2023-01-15</a:t>
             </a:fld>
             <a:endParaRPr lang="sv-SE"/>
           </a:p>
@@ -1427,7 +1427,7 @@
           <a:p>
             <a:fld id="{EBB56105-ADDE-45DB-A0E5-BD63D6838E0A}" type="datetimeFigureOut">
               <a:rPr lang="sv-SE" smtClean="0"/>
-              <a:t>2023-01-07</a:t>
+              <a:t>2023-01-15</a:t>
             </a:fld>
             <a:endParaRPr lang="sv-SE"/>
           </a:p>
@@ -1842,7 +1842,7 @@
           <a:p>
             <a:fld id="{EBB56105-ADDE-45DB-A0E5-BD63D6838E0A}" type="datetimeFigureOut">
               <a:rPr lang="sv-SE" smtClean="0"/>
-              <a:t>2023-01-07</a:t>
+              <a:t>2023-01-15</a:t>
             </a:fld>
             <a:endParaRPr lang="sv-SE"/>
           </a:p>
@@ -1984,7 +1984,7 @@
           <a:p>
             <a:fld id="{EBB56105-ADDE-45DB-A0E5-BD63D6838E0A}" type="datetimeFigureOut">
               <a:rPr lang="sv-SE" smtClean="0"/>
-              <a:t>2023-01-07</a:t>
+              <a:t>2023-01-15</a:t>
             </a:fld>
             <a:endParaRPr lang="sv-SE"/>
           </a:p>
@@ -2097,7 +2097,7 @@
           <a:p>
             <a:fld id="{EBB56105-ADDE-45DB-A0E5-BD63D6838E0A}" type="datetimeFigureOut">
               <a:rPr lang="sv-SE" smtClean="0"/>
-              <a:t>2023-01-07</a:t>
+              <a:t>2023-01-15</a:t>
             </a:fld>
             <a:endParaRPr lang="sv-SE"/>
           </a:p>
@@ -2410,7 +2410,7 @@
           <a:p>
             <a:fld id="{EBB56105-ADDE-45DB-A0E5-BD63D6838E0A}" type="datetimeFigureOut">
               <a:rPr lang="sv-SE" smtClean="0"/>
-              <a:t>2023-01-07</a:t>
+              <a:t>2023-01-15</a:t>
             </a:fld>
             <a:endParaRPr lang="sv-SE"/>
           </a:p>
@@ -2699,7 +2699,7 @@
           <a:p>
             <a:fld id="{EBB56105-ADDE-45DB-A0E5-BD63D6838E0A}" type="datetimeFigureOut">
               <a:rPr lang="sv-SE" smtClean="0"/>
-              <a:t>2023-01-07</a:t>
+              <a:t>2023-01-15</a:t>
             </a:fld>
             <a:endParaRPr lang="sv-SE"/>
           </a:p>
@@ -2942,7 +2942,7 @@
           <a:p>
             <a:fld id="{EBB56105-ADDE-45DB-A0E5-BD63D6838E0A}" type="datetimeFigureOut">
               <a:rPr lang="sv-SE" smtClean="0"/>
-              <a:t>2023-01-07</a:t>
+              <a:t>2023-01-15</a:t>
             </a:fld>
             <a:endParaRPr lang="sv-SE"/>
           </a:p>
@@ -3425,7 +3425,7 @@
           <a:noFill/>
           <a:extLst>
             <a:ext uri="{909E8E84-426E-40dd-AFC4-6F175D3DCCD1}">
-              <a14:hiddenFill xmlns="" xmlns:a14="http://schemas.microsoft.com/office/drawing/2010/main">
+              <a14:hiddenFill xmlns:a14="http://schemas.microsoft.com/office/drawing/2010/main" xmlns="">
                 <a:solidFill>
                   <a:srgbClr val="FFFFFF"/>
                 </a:solidFill>
@@ -8547,7 +8547,7 @@
           <a:noFill/>
           <a:extLst>
             <a:ext uri="{909E8E84-426E-40dd-AFC4-6F175D3DCCD1}">
-              <a14:hiddenFill xmlns="" xmlns:a14="http://schemas.microsoft.com/office/drawing/2010/main">
+              <a14:hiddenFill xmlns:a14="http://schemas.microsoft.com/office/drawing/2010/main" xmlns="">
                 <a:solidFill>
                   <a:srgbClr val="FFFFFF"/>
                 </a:solidFill>

--- a/Relationsdatabaser.pptx
+++ b/Relationsdatabaser.pptx
@@ -18,6 +18,10 @@
     <p:sldId id="265" r:id="rId12"/>
     <p:sldId id="266" r:id="rId13"/>
     <p:sldId id="268" r:id="rId14"/>
+    <p:sldId id="269" r:id="rId15"/>
+    <p:sldId id="270" r:id="rId16"/>
+    <p:sldId id="271" r:id="rId17"/>
+    <p:sldId id="272" r:id="rId18"/>
   </p:sldIdLst>
   <p:sldSz cx="12192000" cy="6858000"/>
   <p:notesSz cx="6858000" cy="9144000"/>
@@ -3425,7 +3429,7 @@
           <a:noFill/>
           <a:extLst>
             <a:ext uri="{909E8E84-426E-40dd-AFC4-6F175D3DCCD1}">
-              <a14:hiddenFill xmlns:a14="http://schemas.microsoft.com/office/drawing/2010/main" xmlns="">
+              <a14:hiddenFill xmlns="" xmlns:a14="http://schemas.microsoft.com/office/drawing/2010/main">
                 <a:solidFill>
                   <a:srgbClr val="FFFFFF"/>
                 </a:solidFill>
@@ -8048,14 +8052,79 @@
           <a:bodyPr/>
           <a:lstStyle/>
           <a:p>
+            <a:r>
+              <a:rPr lang="sv-SE" dirty="0"/>
+              <a:t>Regel 1: </a:t>
+            </a:r>
+            <a:r>
+              <a:rPr lang="sv-SE" dirty="0" err="1"/>
+              <a:t>First</a:t>
+            </a:r>
+            <a:r>
+              <a:rPr lang="sv-SE" dirty="0"/>
+              <a:t> normal form</a:t>
+            </a:r>
+          </a:p>
+          <a:p>
+            <a:r>
+              <a:rPr lang="sv-SE" dirty="0"/>
+              <a:t>Regel 2: Second normal form</a:t>
+            </a:r>
+          </a:p>
+          <a:p>
+            <a:r>
+              <a:rPr lang="sv-SE" dirty="0"/>
+              <a:t>Regel 3: </a:t>
+            </a:r>
+            <a:r>
+              <a:rPr lang="sv-SE" dirty="0" err="1"/>
+              <a:t>Third</a:t>
+            </a:r>
+            <a:r>
+              <a:rPr lang="sv-SE" dirty="0"/>
+              <a:t> normal form</a:t>
+            </a:r>
+          </a:p>
+          <a:p>
+            <a:r>
+              <a:rPr lang="sv-SE" dirty="0"/>
+              <a:t>Regel 4: BCNF</a:t>
+            </a:r>
+          </a:p>
+          <a:p>
+            <a:r>
+              <a:rPr lang="sv-SE" dirty="0"/>
+              <a:t>Regel 5: </a:t>
+            </a:r>
+            <a:r>
+              <a:rPr lang="sv-SE" dirty="0" err="1"/>
+              <a:t>Fourth</a:t>
+            </a:r>
+            <a:r>
+              <a:rPr lang="sv-SE" dirty="0"/>
+              <a:t> normal form</a:t>
+            </a:r>
+          </a:p>
+          <a:p>
+            <a:endParaRPr lang="sv-SE" dirty="0"/>
+          </a:p>
+          <a:p>
+            <a:r>
+              <a:rPr lang="sv-SE" dirty="0"/>
+              <a:t>Lösning: Dela upp tabellen i </a:t>
+            </a:r>
+            <a:r>
+              <a:rPr lang="sv-SE"/>
+              <a:t>flera tabeller.</a:t>
+            </a:r>
+            <a:endParaRPr lang="sv-SE" dirty="0"/>
+          </a:p>
+          <a:p>
             <a:pPr marL="514350" indent="-514350">
               <a:buFont typeface="+mj-lt"/>
               <a:buAutoNum type="arabicPeriod"/>
             </a:pPr>
-            <a:r>
-              <a:rPr lang="sv-SE" dirty="0"/>
-              <a:t>I en normaliserad databas, ska</a:t>
-            </a:r>
+            <a:endParaRPr lang="sv-SE" dirty="0"/>
           </a:p>
         </p:txBody>
       </p:sp>
@@ -8063,6 +8132,1206 @@
     <p:extLst>
       <p:ext uri="{BB962C8B-B14F-4D97-AF65-F5344CB8AC3E}">
         <p14:creationId xmlns:p14="http://schemas.microsoft.com/office/powerpoint/2010/main" val="1410961730"/>
+      </p:ext>
+    </p:extLst>
+  </p:cSld>
+  <p:clrMapOvr>
+    <a:masterClrMapping/>
+  </p:clrMapOvr>
+</p:sld>
+</file>
+
+<file path=ppt/slides/slide14.xml><?xml version="1.0" encoding="utf-8"?>
+<p:sld xmlns:a="http://schemas.openxmlformats.org/drawingml/2006/main" xmlns:r="http://schemas.openxmlformats.org/officeDocument/2006/relationships" xmlns:p="http://schemas.openxmlformats.org/presentationml/2006/main">
+  <p:cSld>
+    <p:spTree>
+      <p:nvGrpSpPr>
+        <p:cNvPr id="1" name=""/>
+        <p:cNvGrpSpPr/>
+        <p:nvPr/>
+      </p:nvGrpSpPr>
+      <p:grpSpPr>
+        <a:xfrm>
+          <a:off x="0" y="0"/>
+          <a:ext cx="0" cy="0"/>
+          <a:chOff x="0" y="0"/>
+          <a:chExt cx="0" cy="0"/>
+        </a:xfrm>
+      </p:grpSpPr>
+      <p:sp>
+        <p:nvSpPr>
+          <p:cNvPr id="2" name="Title 1">
+            <a:extLst>
+              <a:ext uri="{FF2B5EF4-FFF2-40B4-BE49-F238E27FC236}">
+                <a16:creationId xmlns:a16="http://schemas.microsoft.com/office/drawing/2014/main" id="{AB8E6748-22D9-9CA4-940C-E230CB797001}"/>
+              </a:ext>
+            </a:extLst>
+          </p:cNvPr>
+          <p:cNvSpPr>
+            <a:spLocks noGrp="1"/>
+          </p:cNvSpPr>
+          <p:nvPr>
+            <p:ph type="title"/>
+          </p:nvPr>
+        </p:nvSpPr>
+        <p:spPr/>
+        <p:txBody>
+          <a:bodyPr/>
+          <a:lstStyle/>
+          <a:p>
+            <a:r>
+              <a:rPr lang="sv-SE" dirty="0" err="1"/>
+              <a:t>First</a:t>
+            </a:r>
+            <a:r>
+              <a:rPr lang="sv-SE" dirty="0"/>
+              <a:t> Normal Form</a:t>
+            </a:r>
+          </a:p>
+        </p:txBody>
+      </p:sp>
+      <p:sp>
+        <p:nvSpPr>
+          <p:cNvPr id="3" name="Content Placeholder 2">
+            <a:extLst>
+              <a:ext uri="{FF2B5EF4-FFF2-40B4-BE49-F238E27FC236}">
+                <a16:creationId xmlns:a16="http://schemas.microsoft.com/office/drawing/2014/main" id="{D1E1415B-8427-C625-A9A3-1A533BDF670E}"/>
+              </a:ext>
+            </a:extLst>
+          </p:cNvPr>
+          <p:cNvSpPr>
+            <a:spLocks noGrp="1"/>
+          </p:cNvSpPr>
+          <p:nvPr>
+            <p:ph idx="1"/>
+          </p:nvPr>
+        </p:nvSpPr>
+        <p:spPr/>
+        <p:txBody>
+          <a:bodyPr/>
+          <a:lstStyle/>
+          <a:p>
+            <a:r>
+              <a:rPr lang="sv-SE" dirty="0"/>
+              <a:t>För att en tabell ska uppfylla ”</a:t>
+            </a:r>
+            <a:r>
+              <a:rPr lang="sv-SE" dirty="0" err="1"/>
+              <a:t>First</a:t>
+            </a:r>
+            <a:r>
+              <a:rPr lang="sv-SE" dirty="0"/>
+              <a:t> normal form” bör den uppfylla</a:t>
+            </a:r>
+          </a:p>
+          <a:p>
+            <a:pPr marL="914400" lvl="1" indent="-457200">
+              <a:buFont typeface="+mj-lt"/>
+              <a:buAutoNum type="arabicPeriod"/>
+            </a:pPr>
+            <a:r>
+              <a:rPr lang="sv-SE" dirty="0"/>
+              <a:t>Det ska vara finnas ett värde i en cell i en kolumn</a:t>
+            </a:r>
+          </a:p>
+          <a:p>
+            <a:pPr lvl="2"/>
+            <a:endParaRPr lang="sv-SE" dirty="0"/>
+          </a:p>
+          <a:p>
+            <a:pPr marL="914400" lvl="1" indent="-457200">
+              <a:buFont typeface="+mj-lt"/>
+              <a:buAutoNum type="arabicPeriod"/>
+            </a:pPr>
+            <a:r>
+              <a:rPr lang="sv-SE" dirty="0"/>
+              <a:t>Värdena i en kolumn bör tillhöra samma domän</a:t>
+            </a:r>
+          </a:p>
+          <a:p>
+            <a:pPr marL="1371600" lvl="2" indent="-457200">
+              <a:buFont typeface="+mj-lt"/>
+              <a:buAutoNum type="arabicPeriod"/>
+            </a:pPr>
+            <a:endParaRPr lang="sv-SE" dirty="0"/>
+          </a:p>
+          <a:p>
+            <a:pPr marL="914400" lvl="1" indent="-457200">
+              <a:buFont typeface="+mj-lt"/>
+              <a:buAutoNum type="arabicPeriod"/>
+            </a:pPr>
+            <a:r>
+              <a:rPr lang="sv-SE" dirty="0"/>
+              <a:t>Alla kolumner i en tabell bör ha unika värden</a:t>
+            </a:r>
+          </a:p>
+          <a:p>
+            <a:pPr marL="914400" lvl="1" indent="-457200">
+              <a:buFont typeface="+mj-lt"/>
+              <a:buAutoNum type="arabicPeriod"/>
+            </a:pPr>
+            <a:r>
+              <a:rPr lang="sv-SE" dirty="0"/>
+              <a:t>Ordningen som data lagras har ingen betydelse</a:t>
+            </a:r>
+          </a:p>
+        </p:txBody>
+      </p:sp>
+      <p:graphicFrame>
+        <p:nvGraphicFramePr>
+          <p:cNvPr id="4" name="Content Placeholder 3">
+            <a:extLst>
+              <a:ext uri="{FF2B5EF4-FFF2-40B4-BE49-F238E27FC236}">
+                <a16:creationId xmlns:a16="http://schemas.microsoft.com/office/drawing/2014/main" id="{B6B1B4F3-B426-5997-C7FD-65263BEE56CB}"/>
+              </a:ext>
+            </a:extLst>
+          </p:cNvPr>
+          <p:cNvGraphicFramePr>
+            <a:graphicFrameLocks/>
+          </p:cNvGraphicFramePr>
+          <p:nvPr>
+            <p:extLst>
+              <p:ext uri="{D42A27DB-BD31-4B8C-83A1-F6EECF244321}">
+                <p14:modId xmlns:p14="http://schemas.microsoft.com/office/powerpoint/2010/main" val="1840098366"/>
+              </p:ext>
+            </p:extLst>
+          </p:nvPr>
+        </p:nvGraphicFramePr>
+        <p:xfrm>
+          <a:off x="9119304" y="2414656"/>
+          <a:ext cx="2640636" cy="1523304"/>
+        </p:xfrm>
+        <a:graphic>
+          <a:graphicData uri="http://schemas.openxmlformats.org/drawingml/2006/table">
+            <a:tbl>
+              <a:tblPr/>
+              <a:tblGrid>
+                <a:gridCol w="1320318">
+                  <a:extLst>
+                    <a:ext uri="{9D8B030D-6E8A-4147-A177-3AD203B41FA5}">
+                      <a16:colId xmlns:a16="http://schemas.microsoft.com/office/drawing/2014/main" val="2837312115"/>
+                    </a:ext>
+                  </a:extLst>
+                </a:gridCol>
+                <a:gridCol w="1320318">
+                  <a:extLst>
+                    <a:ext uri="{9D8B030D-6E8A-4147-A177-3AD203B41FA5}">
+                      <a16:colId xmlns:a16="http://schemas.microsoft.com/office/drawing/2014/main" val="3195581960"/>
+                    </a:ext>
+                  </a:extLst>
+                </a:gridCol>
+              </a:tblGrid>
+              <a:tr h="323426">
+                <a:tc>
+                  <a:txBody>
+                    <a:bodyPr/>
+                    <a:lstStyle/>
+                    <a:p>
+                      <a:pPr algn="l" fontAlgn="b"/>
+                      <a:r>
+                        <a:rPr lang="sv-SE" sz="1400" b="1" dirty="0">
+                          <a:effectLst/>
+                        </a:rPr>
+                        <a:t>species</a:t>
+                      </a:r>
+                      <a:r>
+                        <a:rPr lang="sv-SE" sz="1400" dirty="0">
+                          <a:effectLst/>
+                        </a:rPr>
+                        <a:t> </a:t>
+                      </a:r>
+                      <a:r>
+                        <a:rPr lang="sv-SE" sz="1400" i="1" dirty="0">
+                          <a:effectLst/>
+                        </a:rPr>
+                        <a:t>string</a:t>
+                      </a:r>
+                      <a:endParaRPr lang="sv-SE" sz="1400" dirty="0">
+                        <a:effectLst/>
+                      </a:endParaRPr>
+                    </a:p>
+                  </a:txBody>
+                  <a:tcPr marL="114126" marR="114126" marT="57063" marB="57063" anchor="b">
+                    <a:lnL w="12700" cap="flat" cmpd="sng" algn="ctr">
+                      <a:solidFill>
+                        <a:srgbClr val="B05D46"/>
+                      </a:solidFill>
+                      <a:prstDash val="solid"/>
+                      <a:round/>
+                      <a:headEnd type="none" w="med" len="med"/>
+                      <a:tailEnd type="none" w="med" len="med"/>
+                    </a:lnL>
+                    <a:lnR w="12700" cap="flat" cmpd="sng" algn="ctr">
+                      <a:solidFill>
+                        <a:srgbClr val="B05D46"/>
+                      </a:solidFill>
+                      <a:prstDash val="solid"/>
+                      <a:round/>
+                      <a:headEnd type="none" w="med" len="med"/>
+                      <a:tailEnd type="none" w="med" len="med"/>
+                    </a:lnR>
+                    <a:lnT w="9525" cap="flat" cmpd="sng" algn="ctr">
+                      <a:solidFill>
+                        <a:srgbClr val="DDDDDD"/>
+                      </a:solidFill>
+                      <a:prstDash val="solid"/>
+                      <a:round/>
+                      <a:headEnd type="none" w="med" len="med"/>
+                      <a:tailEnd type="none" w="med" len="med"/>
+                    </a:lnT>
+                    <a:lnB w="9525" cap="flat" cmpd="sng" algn="ctr">
+                      <a:solidFill>
+                        <a:srgbClr val="DDDDDD"/>
+                      </a:solidFill>
+                      <a:prstDash val="solid"/>
+                      <a:round/>
+                      <a:headEnd type="none" w="med" len="med"/>
+                      <a:tailEnd type="none" w="med" len="med"/>
+                    </a:lnB>
+                    <a:solidFill>
+                      <a:srgbClr val="FFFFFF"/>
+                    </a:solidFill>
+                  </a:tcPr>
+                </a:tc>
+                <a:tc>
+                  <a:txBody>
+                    <a:bodyPr/>
+                    <a:lstStyle/>
+                    <a:p>
+                      <a:pPr algn="l" fontAlgn="b"/>
+                      <a:r>
+                        <a:rPr lang="sv-SE" sz="1400" b="1" dirty="0" err="1">
+                          <a:effectLst/>
+                        </a:rPr>
+                        <a:t>food</a:t>
+                      </a:r>
+                      <a:r>
+                        <a:rPr lang="sv-SE" sz="1400" dirty="0">
+                          <a:effectLst/>
+                        </a:rPr>
+                        <a:t> </a:t>
+                      </a:r>
+                      <a:r>
+                        <a:rPr lang="sv-SE" sz="1400" i="1" dirty="0">
+                          <a:effectLst/>
+                        </a:rPr>
+                        <a:t>string</a:t>
+                      </a:r>
+                      <a:endParaRPr lang="sv-SE" sz="1400" dirty="0">
+                        <a:effectLst/>
+                      </a:endParaRPr>
+                    </a:p>
+                  </a:txBody>
+                  <a:tcPr marL="114126" marR="114126" marT="57063" marB="57063" anchor="b">
+                    <a:lnL w="12700" cap="flat" cmpd="sng" algn="ctr">
+                      <a:solidFill>
+                        <a:srgbClr val="B05D46"/>
+                      </a:solidFill>
+                      <a:prstDash val="solid"/>
+                      <a:round/>
+                      <a:headEnd type="none" w="med" len="med"/>
+                      <a:tailEnd type="none" w="med" len="med"/>
+                    </a:lnL>
+                    <a:lnR w="12700" cap="flat" cmpd="sng" algn="ctr">
+                      <a:solidFill>
+                        <a:srgbClr val="B05D46"/>
+                      </a:solidFill>
+                      <a:prstDash val="solid"/>
+                      <a:round/>
+                      <a:headEnd type="none" w="med" len="med"/>
+                      <a:tailEnd type="none" w="med" len="med"/>
+                    </a:lnR>
+                    <a:lnT w="9525" cap="flat" cmpd="sng" algn="ctr">
+                      <a:solidFill>
+                        <a:srgbClr val="DDDDDD"/>
+                      </a:solidFill>
+                      <a:prstDash val="solid"/>
+                      <a:round/>
+                      <a:headEnd type="none" w="med" len="med"/>
+                      <a:tailEnd type="none" w="med" len="med"/>
+                    </a:lnT>
+                    <a:lnB w="9525" cap="flat" cmpd="sng" algn="ctr">
+                      <a:solidFill>
+                        <a:srgbClr val="DDDDDD"/>
+                      </a:solidFill>
+                      <a:prstDash val="solid"/>
+                      <a:round/>
+                      <a:headEnd type="none" w="med" len="med"/>
+                      <a:tailEnd type="none" w="med" len="med"/>
+                    </a:lnB>
+                    <a:solidFill>
+                      <a:srgbClr val="FFFFFF"/>
+                    </a:solidFill>
+                  </a:tcPr>
+                </a:tc>
+                <a:extLst>
+                  <a:ext uri="{0D108BD9-81ED-4DB2-BD59-A6C34878D82A}">
+                    <a16:rowId xmlns:a16="http://schemas.microsoft.com/office/drawing/2014/main" val="1729726504"/>
+                  </a:ext>
+                </a:extLst>
+              </a:tr>
+              <a:tr h="532726">
+                <a:tc>
+                  <a:txBody>
+                    <a:bodyPr/>
+                    <a:lstStyle/>
+                    <a:p>
+                      <a:pPr fontAlgn="t"/>
+                      <a:r>
+                        <a:rPr lang="sv-SE" sz="1400">
+                          <a:effectLst/>
+                        </a:rPr>
+                        <a:t>llama</a:t>
+                      </a:r>
+                    </a:p>
+                  </a:txBody>
+                  <a:tcPr marL="114126" marR="114126" marT="57063" marB="57063">
+                    <a:lnL w="12700" cap="flat" cmpd="sng" algn="ctr">
+                      <a:solidFill>
+                        <a:srgbClr val="405F46"/>
+                      </a:solidFill>
+                      <a:prstDash val="solid"/>
+                      <a:round/>
+                      <a:headEnd type="none" w="med" len="med"/>
+                      <a:tailEnd type="none" w="med" len="med"/>
+                    </a:lnL>
+                    <a:lnR w="12700" cap="flat" cmpd="sng" algn="ctr">
+                      <a:solidFill>
+                        <a:srgbClr val="405F46"/>
+                      </a:solidFill>
+                      <a:prstDash val="solid"/>
+                      <a:round/>
+                      <a:headEnd type="none" w="med" len="med"/>
+                      <a:tailEnd type="none" w="med" len="med"/>
+                    </a:lnR>
+                    <a:lnT w="9525" cap="flat" cmpd="sng" algn="ctr">
+                      <a:solidFill>
+                        <a:srgbClr val="DDDDDD"/>
+                      </a:solidFill>
+                      <a:prstDash val="solid"/>
+                      <a:round/>
+                      <a:headEnd type="none" w="med" len="med"/>
+                      <a:tailEnd type="none" w="med" len="med"/>
+                    </a:lnT>
+                    <a:lnB w="9525" cap="flat" cmpd="sng" algn="ctr">
+                      <a:solidFill>
+                        <a:srgbClr val="DDDDDD"/>
+                      </a:solidFill>
+                      <a:prstDash val="solid"/>
+                      <a:round/>
+                      <a:headEnd type="none" w="med" len="med"/>
+                      <a:tailEnd type="none" w="med" len="med"/>
+                    </a:lnB>
+                    <a:solidFill>
+                      <a:srgbClr val="F9F9F9"/>
+                    </a:solidFill>
+                  </a:tcPr>
+                </a:tc>
+                <a:tc>
+                  <a:txBody>
+                    <a:bodyPr/>
+                    <a:lstStyle/>
+                    <a:p>
+                      <a:pPr fontAlgn="t"/>
+                      <a:r>
+                        <a:rPr lang="sv-SE" sz="1400" dirty="0">
+                          <a:effectLst/>
+                        </a:rPr>
+                        <a:t>plants, </a:t>
+                      </a:r>
+                      <a:r>
+                        <a:rPr lang="sv-SE" sz="1400" dirty="0" err="1">
+                          <a:effectLst/>
+                        </a:rPr>
+                        <a:t>vegetebals</a:t>
+                      </a:r>
+                      <a:endParaRPr lang="sv-SE" sz="1400" dirty="0">
+                        <a:effectLst/>
+                      </a:endParaRPr>
+                    </a:p>
+                  </a:txBody>
+                  <a:tcPr marL="114126" marR="114126" marT="57063" marB="57063">
+                    <a:lnL w="12700" cap="flat" cmpd="sng" algn="ctr">
+                      <a:solidFill>
+                        <a:srgbClr val="405F46"/>
+                      </a:solidFill>
+                      <a:prstDash val="solid"/>
+                      <a:round/>
+                      <a:headEnd type="none" w="med" len="med"/>
+                      <a:tailEnd type="none" w="med" len="med"/>
+                    </a:lnL>
+                    <a:lnR w="12700" cap="flat" cmpd="sng" algn="ctr">
+                      <a:solidFill>
+                        <a:srgbClr val="405F46"/>
+                      </a:solidFill>
+                      <a:prstDash val="solid"/>
+                      <a:round/>
+                      <a:headEnd type="none" w="med" len="med"/>
+                      <a:tailEnd type="none" w="med" len="med"/>
+                    </a:lnR>
+                    <a:lnT w="9525" cap="flat" cmpd="sng" algn="ctr">
+                      <a:solidFill>
+                        <a:srgbClr val="DDDDDD"/>
+                      </a:solidFill>
+                      <a:prstDash val="solid"/>
+                      <a:round/>
+                      <a:headEnd type="none" w="med" len="med"/>
+                      <a:tailEnd type="none" w="med" len="med"/>
+                    </a:lnT>
+                    <a:lnB w="9525" cap="flat" cmpd="sng" algn="ctr">
+                      <a:solidFill>
+                        <a:srgbClr val="DDDDDD"/>
+                      </a:solidFill>
+                      <a:prstDash val="solid"/>
+                      <a:round/>
+                      <a:headEnd type="none" w="med" len="med"/>
+                      <a:tailEnd type="none" w="med" len="med"/>
+                    </a:lnB>
+                    <a:solidFill>
+                      <a:srgbClr val="F9F9F9"/>
+                    </a:solidFill>
+                  </a:tcPr>
+                </a:tc>
+                <a:extLst>
+                  <a:ext uri="{0D108BD9-81ED-4DB2-BD59-A6C34878D82A}">
+                    <a16:rowId xmlns:a16="http://schemas.microsoft.com/office/drawing/2014/main" val="2002782790"/>
+                  </a:ext>
+                </a:extLst>
+              </a:tr>
+              <a:tr h="323426">
+                <a:tc>
+                  <a:txBody>
+                    <a:bodyPr/>
+                    <a:lstStyle/>
+                    <a:p>
+                      <a:pPr fontAlgn="t"/>
+                      <a:r>
+                        <a:rPr lang="sv-SE" sz="1400">
+                          <a:effectLst/>
+                        </a:rPr>
+                        <a:t>brown bear</a:t>
+                      </a:r>
+                    </a:p>
+                  </a:txBody>
+                  <a:tcPr marL="114126" marR="114126" marT="57063" marB="57063">
+                    <a:lnL w="12700" cap="flat" cmpd="sng" algn="ctr">
+                      <a:solidFill>
+                        <a:srgbClr val="204D46"/>
+                      </a:solidFill>
+                      <a:prstDash val="solid"/>
+                      <a:round/>
+                      <a:headEnd type="none" w="med" len="med"/>
+                      <a:tailEnd type="none" w="med" len="med"/>
+                    </a:lnL>
+                    <a:lnR w="12700" cap="flat" cmpd="sng" algn="ctr">
+                      <a:solidFill>
+                        <a:srgbClr val="204D46"/>
+                      </a:solidFill>
+                      <a:prstDash val="solid"/>
+                      <a:round/>
+                      <a:headEnd type="none" w="med" len="med"/>
+                      <a:tailEnd type="none" w="med" len="med"/>
+                    </a:lnR>
+                    <a:lnT w="9525" cap="flat" cmpd="sng" algn="ctr">
+                      <a:solidFill>
+                        <a:srgbClr val="DDDDDD"/>
+                      </a:solidFill>
+                      <a:prstDash val="solid"/>
+                      <a:round/>
+                      <a:headEnd type="none" w="med" len="med"/>
+                      <a:tailEnd type="none" w="med" len="med"/>
+                    </a:lnT>
+                    <a:lnB w="9525" cap="flat" cmpd="sng" algn="ctr">
+                      <a:solidFill>
+                        <a:srgbClr val="DDDDDD"/>
+                      </a:solidFill>
+                      <a:prstDash val="solid"/>
+                      <a:round/>
+                      <a:headEnd type="none" w="med" len="med"/>
+                      <a:tailEnd type="none" w="med" len="med"/>
+                    </a:lnB>
+                    <a:solidFill>
+                      <a:srgbClr val="FFFFFF"/>
+                    </a:solidFill>
+                  </a:tcPr>
+                </a:tc>
+                <a:tc>
+                  <a:txBody>
+                    <a:bodyPr/>
+                    <a:lstStyle/>
+                    <a:p>
+                      <a:pPr fontAlgn="t"/>
+                      <a:r>
+                        <a:rPr lang="sv-SE" sz="1400" dirty="0" err="1">
+                          <a:effectLst/>
+                        </a:rPr>
+                        <a:t>fish</a:t>
+                      </a:r>
+                      <a:r>
+                        <a:rPr lang="sv-SE" sz="1400" dirty="0">
+                          <a:effectLst/>
+                        </a:rPr>
+                        <a:t>, </a:t>
+                      </a:r>
+                      <a:r>
+                        <a:rPr lang="sv-SE" sz="1400" dirty="0" err="1">
+                          <a:effectLst/>
+                        </a:rPr>
+                        <a:t>meat</a:t>
+                      </a:r>
+                      <a:endParaRPr lang="sv-SE" sz="1400" dirty="0">
+                        <a:effectLst/>
+                      </a:endParaRPr>
+                    </a:p>
+                  </a:txBody>
+                  <a:tcPr marL="114126" marR="114126" marT="57063" marB="57063">
+                    <a:lnL w="12700" cap="flat" cmpd="sng" algn="ctr">
+                      <a:solidFill>
+                        <a:srgbClr val="204D46"/>
+                      </a:solidFill>
+                      <a:prstDash val="solid"/>
+                      <a:round/>
+                      <a:headEnd type="none" w="med" len="med"/>
+                      <a:tailEnd type="none" w="med" len="med"/>
+                    </a:lnL>
+                    <a:lnR w="12700" cap="flat" cmpd="sng" algn="ctr">
+                      <a:solidFill>
+                        <a:srgbClr val="204D46"/>
+                      </a:solidFill>
+                      <a:prstDash val="solid"/>
+                      <a:round/>
+                      <a:headEnd type="none" w="med" len="med"/>
+                      <a:tailEnd type="none" w="med" len="med"/>
+                    </a:lnR>
+                    <a:lnT w="9525" cap="flat" cmpd="sng" algn="ctr">
+                      <a:solidFill>
+                        <a:srgbClr val="DDDDDD"/>
+                      </a:solidFill>
+                      <a:prstDash val="solid"/>
+                      <a:round/>
+                      <a:headEnd type="none" w="med" len="med"/>
+                      <a:tailEnd type="none" w="med" len="med"/>
+                    </a:lnT>
+                    <a:lnB w="9525" cap="flat" cmpd="sng" algn="ctr">
+                      <a:solidFill>
+                        <a:srgbClr val="DDDDDD"/>
+                      </a:solidFill>
+                      <a:prstDash val="solid"/>
+                      <a:round/>
+                      <a:headEnd type="none" w="med" len="med"/>
+                      <a:tailEnd type="none" w="med" len="med"/>
+                    </a:lnB>
+                    <a:solidFill>
+                      <a:srgbClr val="FFFFFF"/>
+                    </a:solidFill>
+                  </a:tcPr>
+                </a:tc>
+                <a:extLst>
+                  <a:ext uri="{0D108BD9-81ED-4DB2-BD59-A6C34878D82A}">
+                    <a16:rowId xmlns:a16="http://schemas.microsoft.com/office/drawing/2014/main" val="3266030971"/>
+                  </a:ext>
+                </a:extLst>
+              </a:tr>
+              <a:tr h="323426">
+                <a:tc>
+                  <a:txBody>
+                    <a:bodyPr/>
+                    <a:lstStyle/>
+                    <a:p>
+                      <a:pPr fontAlgn="t"/>
+                      <a:r>
+                        <a:rPr lang="sv-SE" sz="1400">
+                          <a:effectLst/>
+                        </a:rPr>
+                        <a:t>orangutan</a:t>
+                      </a:r>
+                    </a:p>
+                  </a:txBody>
+                  <a:tcPr marL="114126" marR="114126" marT="57063" marB="57063">
+                    <a:lnL w="12700" cap="flat" cmpd="sng" algn="ctr">
+                      <a:solidFill>
+                        <a:srgbClr val="905546"/>
+                      </a:solidFill>
+                      <a:prstDash val="solid"/>
+                      <a:round/>
+                      <a:headEnd type="none" w="med" len="med"/>
+                      <a:tailEnd type="none" w="med" len="med"/>
+                    </a:lnL>
+                    <a:lnR w="12700" cap="flat" cmpd="sng" algn="ctr">
+                      <a:solidFill>
+                        <a:srgbClr val="905546"/>
+                      </a:solidFill>
+                      <a:prstDash val="solid"/>
+                      <a:round/>
+                      <a:headEnd type="none" w="med" len="med"/>
+                      <a:tailEnd type="none" w="med" len="med"/>
+                    </a:lnR>
+                    <a:lnT w="9525" cap="flat" cmpd="sng" algn="ctr">
+                      <a:solidFill>
+                        <a:srgbClr val="DDDDDD"/>
+                      </a:solidFill>
+                      <a:prstDash val="solid"/>
+                      <a:round/>
+                      <a:headEnd type="none" w="med" len="med"/>
+                      <a:tailEnd type="none" w="med" len="med"/>
+                    </a:lnT>
+                    <a:lnB w="9525" cap="flat" cmpd="sng" algn="ctr">
+                      <a:solidFill>
+                        <a:srgbClr val="DDDDDD"/>
+                      </a:solidFill>
+                      <a:prstDash val="solid"/>
+                      <a:round/>
+                      <a:headEnd type="none" w="med" len="med"/>
+                      <a:tailEnd type="none" w="med" len="med"/>
+                    </a:lnB>
+                    <a:solidFill>
+                      <a:srgbClr val="F9F9F9"/>
+                    </a:solidFill>
+                  </a:tcPr>
+                </a:tc>
+                <a:tc>
+                  <a:txBody>
+                    <a:bodyPr/>
+                    <a:lstStyle/>
+                    <a:p>
+                      <a:pPr fontAlgn="t"/>
+                      <a:r>
+                        <a:rPr lang="sv-SE" sz="1400" dirty="0">
+                          <a:effectLst/>
+                        </a:rPr>
+                        <a:t>plants, </a:t>
+                      </a:r>
+                      <a:r>
+                        <a:rPr lang="sv-SE" sz="1400" dirty="0" err="1">
+                          <a:effectLst/>
+                        </a:rPr>
+                        <a:t>insects</a:t>
+                      </a:r>
+                      <a:endParaRPr lang="sv-SE" sz="1400" dirty="0">
+                        <a:effectLst/>
+                      </a:endParaRPr>
+                    </a:p>
+                  </a:txBody>
+                  <a:tcPr marL="114126" marR="114126" marT="57063" marB="57063">
+                    <a:lnL w="12700" cap="flat" cmpd="sng" algn="ctr">
+                      <a:solidFill>
+                        <a:srgbClr val="905546"/>
+                      </a:solidFill>
+                      <a:prstDash val="solid"/>
+                      <a:round/>
+                      <a:headEnd type="none" w="med" len="med"/>
+                      <a:tailEnd type="none" w="med" len="med"/>
+                    </a:lnL>
+                    <a:lnR w="12700" cap="flat" cmpd="sng" algn="ctr">
+                      <a:solidFill>
+                        <a:srgbClr val="905546"/>
+                      </a:solidFill>
+                      <a:prstDash val="solid"/>
+                      <a:round/>
+                      <a:headEnd type="none" w="med" len="med"/>
+                      <a:tailEnd type="none" w="med" len="med"/>
+                    </a:lnR>
+                    <a:lnT w="9525" cap="flat" cmpd="sng" algn="ctr">
+                      <a:solidFill>
+                        <a:srgbClr val="DDDDDD"/>
+                      </a:solidFill>
+                      <a:prstDash val="solid"/>
+                      <a:round/>
+                      <a:headEnd type="none" w="med" len="med"/>
+                      <a:tailEnd type="none" w="med" len="med"/>
+                    </a:lnT>
+                    <a:lnB w="9525" cap="flat" cmpd="sng" algn="ctr">
+                      <a:solidFill>
+                        <a:srgbClr val="DDDDDD"/>
+                      </a:solidFill>
+                      <a:prstDash val="solid"/>
+                      <a:round/>
+                      <a:headEnd type="none" w="med" len="med"/>
+                      <a:tailEnd type="none" w="med" len="med"/>
+                    </a:lnB>
+                    <a:solidFill>
+                      <a:srgbClr val="F9F9F9"/>
+                    </a:solidFill>
+                  </a:tcPr>
+                </a:tc>
+                <a:extLst>
+                  <a:ext uri="{0D108BD9-81ED-4DB2-BD59-A6C34878D82A}">
+                    <a16:rowId xmlns:a16="http://schemas.microsoft.com/office/drawing/2014/main" val="2831463723"/>
+                  </a:ext>
+                </a:extLst>
+              </a:tr>
+            </a:tbl>
+          </a:graphicData>
+        </a:graphic>
+      </p:graphicFrame>
+    </p:spTree>
+    <p:extLst>
+      <p:ext uri="{BB962C8B-B14F-4D97-AF65-F5344CB8AC3E}">
+        <p14:creationId xmlns:p14="http://schemas.microsoft.com/office/powerpoint/2010/main" val="2704272503"/>
+      </p:ext>
+    </p:extLst>
+  </p:cSld>
+  <p:clrMapOvr>
+    <a:masterClrMapping/>
+  </p:clrMapOvr>
+</p:sld>
+</file>
+
+<file path=ppt/slides/slide15.xml><?xml version="1.0" encoding="utf-8"?>
+<p:sld xmlns:a="http://schemas.openxmlformats.org/drawingml/2006/main" xmlns:r="http://schemas.openxmlformats.org/officeDocument/2006/relationships" xmlns:p="http://schemas.openxmlformats.org/presentationml/2006/main">
+  <p:cSld>
+    <p:spTree>
+      <p:nvGrpSpPr>
+        <p:cNvPr id="1" name=""/>
+        <p:cNvGrpSpPr/>
+        <p:nvPr/>
+      </p:nvGrpSpPr>
+      <p:grpSpPr>
+        <a:xfrm>
+          <a:off x="0" y="0"/>
+          <a:ext cx="0" cy="0"/>
+          <a:chOff x="0" y="0"/>
+          <a:chExt cx="0" cy="0"/>
+        </a:xfrm>
+      </p:grpSpPr>
+      <p:sp>
+        <p:nvSpPr>
+          <p:cNvPr id="2" name="Title 1">
+            <a:extLst>
+              <a:ext uri="{FF2B5EF4-FFF2-40B4-BE49-F238E27FC236}">
+                <a16:creationId xmlns:a16="http://schemas.microsoft.com/office/drawing/2014/main" id="{CE13AED2-D295-E3AA-E8CB-CB8E7EC874BF}"/>
+              </a:ext>
+            </a:extLst>
+          </p:cNvPr>
+          <p:cNvSpPr>
+            <a:spLocks noGrp="1"/>
+          </p:cNvSpPr>
+          <p:nvPr>
+            <p:ph type="title"/>
+          </p:nvPr>
+        </p:nvSpPr>
+        <p:spPr/>
+        <p:txBody>
+          <a:bodyPr/>
+          <a:lstStyle/>
+          <a:p>
+            <a:r>
+              <a:rPr lang="sv-SE" dirty="0"/>
+              <a:t>Second normal form</a:t>
+            </a:r>
+          </a:p>
+        </p:txBody>
+      </p:sp>
+      <p:sp>
+        <p:nvSpPr>
+          <p:cNvPr id="3" name="Content Placeholder 2">
+            <a:extLst>
+              <a:ext uri="{FF2B5EF4-FFF2-40B4-BE49-F238E27FC236}">
+                <a16:creationId xmlns:a16="http://schemas.microsoft.com/office/drawing/2014/main" id="{CA75C611-46BF-9656-FEEE-C9221D802C24}"/>
+              </a:ext>
+            </a:extLst>
+          </p:cNvPr>
+          <p:cNvSpPr>
+            <a:spLocks noGrp="1"/>
+          </p:cNvSpPr>
+          <p:nvPr>
+            <p:ph idx="1"/>
+          </p:nvPr>
+        </p:nvSpPr>
+        <p:spPr>
+          <a:xfrm>
+            <a:off x="838200" y="1308682"/>
+            <a:ext cx="10515600" cy="5444455"/>
+          </a:xfrm>
+        </p:spPr>
+        <p:txBody>
+          <a:bodyPr>
+            <a:normAutofit/>
+          </a:bodyPr>
+          <a:lstStyle/>
+          <a:p>
+            <a:pPr marL="914400" lvl="1" indent="-457200">
+              <a:buFont typeface="+mj-lt"/>
+              <a:buAutoNum type="arabicPeriod"/>
+            </a:pPr>
+            <a:r>
+              <a:rPr lang="sv-SE" dirty="0"/>
+              <a:t>För att en tabell ska vara i den andra normala formen bör den vara i den första normala formen.</a:t>
+            </a:r>
+          </a:p>
+          <a:p>
+            <a:pPr marL="914400" lvl="1" indent="-457200">
+              <a:buFont typeface="+mj-lt"/>
+              <a:buAutoNum type="arabicPeriod"/>
+            </a:pPr>
+            <a:r>
+              <a:rPr lang="sv-SE" dirty="0"/>
+              <a:t>Och den bör inte ha partiellt beroende.</a:t>
+            </a:r>
+            <a:br>
+              <a:rPr lang="sv-SE" dirty="0"/>
+            </a:br>
+            <a:endParaRPr lang="sv-SE" dirty="0"/>
+          </a:p>
+          <a:p>
+            <a:pPr marL="457200" lvl="1" indent="0">
+              <a:buNone/>
+            </a:pPr>
+            <a:r>
+              <a:rPr lang="sv-SE" dirty="0"/>
+              <a:t>Partiellt beroende existerar när för en sammansatt primärnyckel, alla attribut i tabellen endast beror på en del av primärnyckeln och inte på hela primärnyckeln.</a:t>
+            </a:r>
+          </a:p>
+          <a:p>
+            <a:pPr marL="457200" lvl="1" indent="0">
+              <a:buNone/>
+            </a:pPr>
+            <a:r>
+              <a:rPr lang="sv-SE" dirty="0"/>
+              <a:t>För att ta bort partiellt beroende kan vi dela upp tabellen, ta bort attributet som orsakar partiellt beroende och flytta det till någon annan tabell där det passar bra in.</a:t>
+            </a:r>
+          </a:p>
+          <a:p>
+            <a:pPr lvl="1"/>
+            <a:endParaRPr lang="sv-SE" dirty="0"/>
+          </a:p>
+        </p:txBody>
+      </p:sp>
+      <p:pic>
+        <p:nvPicPr>
+          <p:cNvPr id="5" name="Picture 4">
+            <a:extLst>
+              <a:ext uri="{FF2B5EF4-FFF2-40B4-BE49-F238E27FC236}">
+                <a16:creationId xmlns:a16="http://schemas.microsoft.com/office/drawing/2014/main" id="{1F9C7223-4D6F-94BB-43A9-1876C86D1AC7}"/>
+              </a:ext>
+            </a:extLst>
+          </p:cNvPr>
+          <p:cNvPicPr>
+            <a:picLocks noChangeAspect="1"/>
+          </p:cNvPicPr>
+          <p:nvPr/>
+        </p:nvPicPr>
+        <p:blipFill>
+          <a:blip r:embed="rId2"/>
+          <a:stretch>
+            <a:fillRect/>
+          </a:stretch>
+        </p:blipFill>
+        <p:spPr>
+          <a:xfrm>
+            <a:off x="1399930" y="4999984"/>
+            <a:ext cx="7208776" cy="1311916"/>
+          </a:xfrm>
+          <a:prstGeom prst="rect">
+            <a:avLst/>
+          </a:prstGeom>
+        </p:spPr>
+      </p:pic>
+    </p:spTree>
+    <p:extLst>
+      <p:ext uri="{BB962C8B-B14F-4D97-AF65-F5344CB8AC3E}">
+        <p14:creationId xmlns:p14="http://schemas.microsoft.com/office/powerpoint/2010/main" val="546379733"/>
+      </p:ext>
+    </p:extLst>
+  </p:cSld>
+  <p:clrMapOvr>
+    <a:masterClrMapping/>
+  </p:clrMapOvr>
+</p:sld>
+</file>
+
+<file path=ppt/slides/slide16.xml><?xml version="1.0" encoding="utf-8"?>
+<p:sld xmlns:a="http://schemas.openxmlformats.org/drawingml/2006/main" xmlns:r="http://schemas.openxmlformats.org/officeDocument/2006/relationships" xmlns:p="http://schemas.openxmlformats.org/presentationml/2006/main">
+  <p:cSld>
+    <p:spTree>
+      <p:nvGrpSpPr>
+        <p:cNvPr id="1" name=""/>
+        <p:cNvGrpSpPr/>
+        <p:nvPr/>
+      </p:nvGrpSpPr>
+      <p:grpSpPr>
+        <a:xfrm>
+          <a:off x="0" y="0"/>
+          <a:ext cx="0" cy="0"/>
+          <a:chOff x="0" y="0"/>
+          <a:chExt cx="0" cy="0"/>
+        </a:xfrm>
+      </p:grpSpPr>
+      <p:sp>
+        <p:nvSpPr>
+          <p:cNvPr id="2" name="Title 1">
+            <a:extLst>
+              <a:ext uri="{FF2B5EF4-FFF2-40B4-BE49-F238E27FC236}">
+                <a16:creationId xmlns:a16="http://schemas.microsoft.com/office/drawing/2014/main" id="{A47B57D5-4EE6-AE30-65C4-72263D249097}"/>
+              </a:ext>
+            </a:extLst>
+          </p:cNvPr>
+          <p:cNvSpPr>
+            <a:spLocks noGrp="1"/>
+          </p:cNvSpPr>
+          <p:nvPr>
+            <p:ph type="title"/>
+          </p:nvPr>
+        </p:nvSpPr>
+        <p:spPr/>
+        <p:txBody>
+          <a:bodyPr/>
+          <a:lstStyle/>
+          <a:p>
+            <a:r>
+              <a:rPr lang="sv-SE" dirty="0" err="1"/>
+              <a:t>Third</a:t>
+            </a:r>
+            <a:r>
+              <a:rPr lang="sv-SE" dirty="0"/>
+              <a:t> normal form</a:t>
+            </a:r>
+          </a:p>
+        </p:txBody>
+      </p:sp>
+      <p:sp>
+        <p:nvSpPr>
+          <p:cNvPr id="3" name="Content Placeholder 2">
+            <a:extLst>
+              <a:ext uri="{FF2B5EF4-FFF2-40B4-BE49-F238E27FC236}">
+                <a16:creationId xmlns:a16="http://schemas.microsoft.com/office/drawing/2014/main" id="{B8B40937-4517-1D3A-4154-B243CBBFC6A8}"/>
+              </a:ext>
+            </a:extLst>
+          </p:cNvPr>
+          <p:cNvSpPr>
+            <a:spLocks noGrp="1"/>
+          </p:cNvSpPr>
+          <p:nvPr>
+            <p:ph idx="1"/>
+          </p:nvPr>
+        </p:nvSpPr>
+        <p:spPr/>
+        <p:txBody>
+          <a:bodyPr/>
+          <a:lstStyle/>
+          <a:p>
+            <a:pPr marL="514350" indent="-514350">
+              <a:buFont typeface="+mj-lt"/>
+              <a:buAutoNum type="arabicPeriod"/>
+            </a:pPr>
+            <a:r>
+              <a:rPr lang="sv-SE" dirty="0"/>
+              <a:t>För att en tabell ska vara i den andra normala formen bör den vara i den första normala formen.</a:t>
+            </a:r>
+          </a:p>
+          <a:p>
+            <a:pPr marL="514350" indent="-514350">
+              <a:buFont typeface="+mj-lt"/>
+              <a:buAutoNum type="arabicPeriod"/>
+            </a:pPr>
+            <a:r>
+              <a:rPr lang="sv-SE" dirty="0"/>
+              <a:t>Och det borde inte ha transitivt beroende.</a:t>
+            </a:r>
+          </a:p>
+          <a:p>
+            <a:pPr lvl="1"/>
+            <a:r>
+              <a:rPr lang="sv-SE" dirty="0"/>
+              <a:t>När ett icke-primärt attribut beror på andra icke-primära attribut snarare än beroende på de primära attributen eller primärnyckeln.</a:t>
+            </a:r>
+          </a:p>
+          <a:p>
+            <a:pPr lvl="1"/>
+            <a:r>
+              <a:rPr lang="sv-SE" dirty="0" err="1"/>
+              <a:t>Total_marks</a:t>
+            </a:r>
+            <a:r>
+              <a:rPr lang="sv-SE" dirty="0"/>
+              <a:t> är beroende av </a:t>
+            </a:r>
+            <a:r>
+              <a:rPr lang="sv-SE" dirty="0" err="1"/>
+              <a:t>exam_name</a:t>
+            </a:r>
+            <a:r>
+              <a:rPr lang="sv-SE" dirty="0"/>
+              <a:t> snarare än primär-nyckeln</a:t>
+            </a:r>
+          </a:p>
+          <a:p>
+            <a:pPr lvl="1"/>
+            <a:r>
+              <a:rPr lang="sv-SE" dirty="0"/>
+              <a:t>Ta ut kolumnerna </a:t>
+            </a:r>
+            <a:r>
+              <a:rPr lang="sv-SE" dirty="0" err="1"/>
+              <a:t>exam_name</a:t>
+            </a:r>
+            <a:r>
+              <a:rPr lang="sv-SE" dirty="0"/>
+              <a:t> och </a:t>
+            </a:r>
+            <a:r>
+              <a:rPr lang="sv-SE" dirty="0" err="1"/>
+              <a:t>total_marks</a:t>
+            </a:r>
+            <a:r>
+              <a:rPr lang="sv-SE" dirty="0"/>
+              <a:t> från </a:t>
+            </a:r>
+            <a:r>
+              <a:rPr lang="sv-SE" b="1" dirty="0"/>
+              <a:t>Score</a:t>
+            </a:r>
+            <a:r>
+              <a:rPr lang="sv-SE" dirty="0"/>
+              <a:t> tabellen och lägg dem i en </a:t>
+            </a:r>
+            <a:r>
+              <a:rPr lang="sv-SE" b="1" dirty="0" err="1"/>
+              <a:t>Exam</a:t>
+            </a:r>
+            <a:r>
+              <a:rPr lang="sv-SE" dirty="0"/>
+              <a:t> tabell och använd </a:t>
+            </a:r>
+            <a:r>
+              <a:rPr lang="sv-SE" dirty="0" err="1"/>
+              <a:t>exam_id</a:t>
+            </a:r>
+            <a:r>
+              <a:rPr lang="sv-SE" dirty="0"/>
+              <a:t> där det behövs</a:t>
+            </a:r>
+          </a:p>
+          <a:p>
+            <a:endParaRPr lang="sv-SE" dirty="0"/>
+          </a:p>
+        </p:txBody>
+      </p:sp>
+      <p:pic>
+        <p:nvPicPr>
+          <p:cNvPr id="5" name="Picture 4">
+            <a:extLst>
+              <a:ext uri="{FF2B5EF4-FFF2-40B4-BE49-F238E27FC236}">
+                <a16:creationId xmlns:a16="http://schemas.microsoft.com/office/drawing/2014/main" id="{15EEB48A-0708-DB2B-DCDE-374A466A5585}"/>
+              </a:ext>
+            </a:extLst>
+          </p:cNvPr>
+          <p:cNvPicPr>
+            <a:picLocks noChangeAspect="1"/>
+          </p:cNvPicPr>
+          <p:nvPr/>
+        </p:nvPicPr>
+        <p:blipFill>
+          <a:blip r:embed="rId2"/>
+          <a:stretch>
+            <a:fillRect/>
+          </a:stretch>
+        </p:blipFill>
+        <p:spPr>
+          <a:xfrm>
+            <a:off x="942975" y="5005388"/>
+            <a:ext cx="10306050" cy="1171575"/>
+          </a:xfrm>
+          <a:prstGeom prst="rect">
+            <a:avLst/>
+          </a:prstGeom>
+        </p:spPr>
+      </p:pic>
+    </p:spTree>
+    <p:extLst>
+      <p:ext uri="{BB962C8B-B14F-4D97-AF65-F5344CB8AC3E}">
+        <p14:creationId xmlns:p14="http://schemas.microsoft.com/office/powerpoint/2010/main" val="1215183186"/>
+      </p:ext>
+    </p:extLst>
+  </p:cSld>
+  <p:clrMapOvr>
+    <a:masterClrMapping/>
+  </p:clrMapOvr>
+</p:sld>
+</file>
+
+<file path=ppt/slides/slide17.xml><?xml version="1.0" encoding="utf-8"?>
+<p:sld xmlns:a="http://schemas.openxmlformats.org/drawingml/2006/main" xmlns:r="http://schemas.openxmlformats.org/officeDocument/2006/relationships" xmlns:p="http://schemas.openxmlformats.org/presentationml/2006/main">
+  <p:cSld>
+    <p:spTree>
+      <p:nvGrpSpPr>
+        <p:cNvPr id="1" name=""/>
+        <p:cNvGrpSpPr/>
+        <p:nvPr/>
+      </p:nvGrpSpPr>
+      <p:grpSpPr>
+        <a:xfrm>
+          <a:off x="0" y="0"/>
+          <a:ext cx="0" cy="0"/>
+          <a:chOff x="0" y="0"/>
+          <a:chExt cx="0" cy="0"/>
+        </a:xfrm>
+      </p:grpSpPr>
+      <p:sp>
+        <p:nvSpPr>
+          <p:cNvPr id="2" name="Title 1">
+            <a:extLst>
+              <a:ext uri="{FF2B5EF4-FFF2-40B4-BE49-F238E27FC236}">
+                <a16:creationId xmlns:a16="http://schemas.microsoft.com/office/drawing/2014/main" id="{C761F17A-6D80-E9A8-A52F-DD98478D8319}"/>
+              </a:ext>
+            </a:extLst>
+          </p:cNvPr>
+          <p:cNvSpPr>
+            <a:spLocks noGrp="1"/>
+          </p:cNvSpPr>
+          <p:nvPr>
+            <p:ph type="title"/>
+          </p:nvPr>
+        </p:nvSpPr>
+        <p:spPr/>
+        <p:txBody>
+          <a:bodyPr/>
+          <a:lstStyle/>
+          <a:p>
+            <a:r>
+              <a:rPr lang="sv-SE" dirty="0"/>
+              <a:t>Boyce-</a:t>
+            </a:r>
+            <a:r>
+              <a:rPr lang="sv-SE" dirty="0" err="1"/>
+              <a:t>Codd</a:t>
+            </a:r>
+            <a:r>
+              <a:rPr lang="sv-SE" dirty="0"/>
+              <a:t> Normal Form (BCNF)</a:t>
+            </a:r>
+          </a:p>
+        </p:txBody>
+      </p:sp>
+      <p:sp>
+        <p:nvSpPr>
+          <p:cNvPr id="3" name="Content Placeholder 2">
+            <a:extLst>
+              <a:ext uri="{FF2B5EF4-FFF2-40B4-BE49-F238E27FC236}">
+                <a16:creationId xmlns:a16="http://schemas.microsoft.com/office/drawing/2014/main" id="{1BA4EEC8-C8DB-5D4A-9141-1CC0BDDE373B}"/>
+              </a:ext>
+            </a:extLst>
+          </p:cNvPr>
+          <p:cNvSpPr>
+            <a:spLocks noGrp="1"/>
+          </p:cNvSpPr>
+          <p:nvPr>
+            <p:ph idx="1"/>
+          </p:nvPr>
+        </p:nvSpPr>
+        <p:spPr/>
+        <p:txBody>
+          <a:bodyPr/>
+          <a:lstStyle/>
+          <a:p>
+            <a:endParaRPr lang="sv-SE"/>
+          </a:p>
+        </p:txBody>
+      </p:sp>
+    </p:spTree>
+    <p:extLst>
+      <p:ext uri="{BB962C8B-B14F-4D97-AF65-F5344CB8AC3E}">
+        <p14:creationId xmlns:p14="http://schemas.microsoft.com/office/powerpoint/2010/main" val="1845104869"/>
       </p:ext>
     </p:extLst>
   </p:cSld>
@@ -8547,7 +9816,7 @@
           <a:noFill/>
           <a:extLst>
             <a:ext uri="{909E8E84-426E-40dd-AFC4-6F175D3DCCD1}">
-              <a14:hiddenFill xmlns:a14="http://schemas.microsoft.com/office/drawing/2010/main" xmlns="">
+              <a14:hiddenFill xmlns="" xmlns:a14="http://schemas.microsoft.com/office/drawing/2010/main">
                 <a:solidFill>
                   <a:srgbClr val="FFFFFF"/>
                 </a:solidFill>
@@ -19324,24 +20593,24 @@
                     <a:p>
                       <a:pPr algn="l" fontAlgn="b"/>
                       <a:r>
-                        <a:rPr lang="sv-SE" b="1">
+                        <a:rPr lang="sv-SE" b="1" dirty="0">
                           <a:effectLst/>
                         </a:rPr>
                         <a:t>species</a:t>
                       </a:r>
                       <a:r>
-                        <a:rPr lang="sv-SE">
+                        <a:rPr lang="sv-SE" dirty="0">
                           <a:effectLst/>
                         </a:rPr>
                         <a:t> </a:t>
                       </a:r>
                       <a:r>
-                        <a:rPr lang="sv-SE" i="1">
+                        <a:rPr lang="sv-SE" i="1" dirty="0">
                           <a:effectLst/>
                         </a:rPr>
                         <a:t>string</a:t>
                       </a:r>
-                      <a:endParaRPr lang="sv-SE">
+                      <a:endParaRPr lang="sv-SE" dirty="0">
                         <a:effectLst/>
                       </a:endParaRPr>
                     </a:p>

--- a/Relationsdatabaser.pptx
+++ b/Relationsdatabaser.pptx
@@ -17,11 +17,15 @@
     <p:sldId id="264" r:id="rId11"/>
     <p:sldId id="265" r:id="rId12"/>
     <p:sldId id="266" r:id="rId13"/>
-    <p:sldId id="268" r:id="rId14"/>
-    <p:sldId id="269" r:id="rId15"/>
-    <p:sldId id="270" r:id="rId16"/>
-    <p:sldId id="271" r:id="rId17"/>
-    <p:sldId id="272" r:id="rId18"/>
+    <p:sldId id="273" r:id="rId14"/>
+    <p:sldId id="268" r:id="rId15"/>
+    <p:sldId id="269" r:id="rId16"/>
+    <p:sldId id="270" r:id="rId17"/>
+    <p:sldId id="271" r:id="rId18"/>
+    <p:sldId id="272" r:id="rId19"/>
+    <p:sldId id="274" r:id="rId20"/>
+    <p:sldId id="275" r:id="rId21"/>
+    <p:sldId id="276" r:id="rId22"/>
   </p:sldIdLst>
   <p:sldSz cx="12192000" cy="6858000"/>
   <p:notesSz cx="6858000" cy="9144000"/>
@@ -277,7 +281,7 @@
           <a:p>
             <a:fld id="{EBB56105-ADDE-45DB-A0E5-BD63D6838E0A}" type="datetimeFigureOut">
               <a:rPr lang="sv-SE" smtClean="0"/>
-              <a:t>2023-01-15</a:t>
+              <a:t>2023-01-17</a:t>
             </a:fld>
             <a:endParaRPr lang="sv-SE"/>
           </a:p>
@@ -477,7 +481,7 @@
           <a:p>
             <a:fld id="{EBB56105-ADDE-45DB-A0E5-BD63D6838E0A}" type="datetimeFigureOut">
               <a:rPr lang="sv-SE" smtClean="0"/>
-              <a:t>2023-01-15</a:t>
+              <a:t>2023-01-17</a:t>
             </a:fld>
             <a:endParaRPr lang="sv-SE"/>
           </a:p>
@@ -687,7 +691,7 @@
           <a:p>
             <a:fld id="{EBB56105-ADDE-45DB-A0E5-BD63D6838E0A}" type="datetimeFigureOut">
               <a:rPr lang="sv-SE" smtClean="0"/>
-              <a:t>2023-01-15</a:t>
+              <a:t>2023-01-17</a:t>
             </a:fld>
             <a:endParaRPr lang="sv-SE"/>
           </a:p>
@@ -887,7 +891,7 @@
           <a:p>
             <a:fld id="{EBB56105-ADDE-45DB-A0E5-BD63D6838E0A}" type="datetimeFigureOut">
               <a:rPr lang="sv-SE" smtClean="0"/>
-              <a:t>2023-01-15</a:t>
+              <a:t>2023-01-17</a:t>
             </a:fld>
             <a:endParaRPr lang="sv-SE"/>
           </a:p>
@@ -1163,7 +1167,7 @@
           <a:p>
             <a:fld id="{EBB56105-ADDE-45DB-A0E5-BD63D6838E0A}" type="datetimeFigureOut">
               <a:rPr lang="sv-SE" smtClean="0"/>
-              <a:t>2023-01-15</a:t>
+              <a:t>2023-01-17</a:t>
             </a:fld>
             <a:endParaRPr lang="sv-SE"/>
           </a:p>
@@ -1431,7 +1435,7 @@
           <a:p>
             <a:fld id="{EBB56105-ADDE-45DB-A0E5-BD63D6838E0A}" type="datetimeFigureOut">
               <a:rPr lang="sv-SE" smtClean="0"/>
-              <a:t>2023-01-15</a:t>
+              <a:t>2023-01-17</a:t>
             </a:fld>
             <a:endParaRPr lang="sv-SE"/>
           </a:p>
@@ -1846,7 +1850,7 @@
           <a:p>
             <a:fld id="{EBB56105-ADDE-45DB-A0E5-BD63D6838E0A}" type="datetimeFigureOut">
               <a:rPr lang="sv-SE" smtClean="0"/>
-              <a:t>2023-01-15</a:t>
+              <a:t>2023-01-17</a:t>
             </a:fld>
             <a:endParaRPr lang="sv-SE"/>
           </a:p>
@@ -1988,7 +1992,7 @@
           <a:p>
             <a:fld id="{EBB56105-ADDE-45DB-A0E5-BD63D6838E0A}" type="datetimeFigureOut">
               <a:rPr lang="sv-SE" smtClean="0"/>
-              <a:t>2023-01-15</a:t>
+              <a:t>2023-01-17</a:t>
             </a:fld>
             <a:endParaRPr lang="sv-SE"/>
           </a:p>
@@ -2101,7 +2105,7 @@
           <a:p>
             <a:fld id="{EBB56105-ADDE-45DB-A0E5-BD63D6838E0A}" type="datetimeFigureOut">
               <a:rPr lang="sv-SE" smtClean="0"/>
-              <a:t>2023-01-15</a:t>
+              <a:t>2023-01-17</a:t>
             </a:fld>
             <a:endParaRPr lang="sv-SE"/>
           </a:p>
@@ -2414,7 +2418,7 @@
           <a:p>
             <a:fld id="{EBB56105-ADDE-45DB-A0E5-BD63D6838E0A}" type="datetimeFigureOut">
               <a:rPr lang="sv-SE" smtClean="0"/>
-              <a:t>2023-01-15</a:t>
+              <a:t>2023-01-17</a:t>
             </a:fld>
             <a:endParaRPr lang="sv-SE"/>
           </a:p>
@@ -2703,7 +2707,7 @@
           <a:p>
             <a:fld id="{EBB56105-ADDE-45DB-A0E5-BD63D6838E0A}" type="datetimeFigureOut">
               <a:rPr lang="sv-SE" smtClean="0"/>
-              <a:t>2023-01-15</a:t>
+              <a:t>2023-01-17</a:t>
             </a:fld>
             <a:endParaRPr lang="sv-SE"/>
           </a:p>
@@ -2946,7 +2950,7 @@
           <a:p>
             <a:fld id="{EBB56105-ADDE-45DB-A0E5-BD63D6838E0A}" type="datetimeFigureOut">
               <a:rPr lang="sv-SE" smtClean="0"/>
-              <a:t>2023-01-15</a:t>
+              <a:t>2023-01-17</a:t>
             </a:fld>
             <a:endParaRPr lang="sv-SE"/>
           </a:p>
@@ -3429,7 +3433,7 @@
           <a:noFill/>
           <a:extLst>
             <a:ext uri="{909E8E84-426E-40dd-AFC4-6F175D3DCCD1}">
-              <a14:hiddenFill xmlns="" xmlns:a14="http://schemas.microsoft.com/office/drawing/2010/main">
+              <a14:hiddenFill xmlns:a14="http://schemas.microsoft.com/office/drawing/2010/main" xmlns="">
                 <a:solidFill>
                   <a:srgbClr val="FFFFFF"/>
                 </a:solidFill>
@@ -8008,6 +8012,164 @@
           <p:cNvPr id="2" name="Title 1">
             <a:extLst>
               <a:ext uri="{FF2B5EF4-FFF2-40B4-BE49-F238E27FC236}">
+                <a16:creationId xmlns:a16="http://schemas.microsoft.com/office/drawing/2014/main" id="{0AD93B20-486E-57F7-9CBF-18DA4B79AEA3}"/>
+              </a:ext>
+            </a:extLst>
+          </p:cNvPr>
+          <p:cNvSpPr>
+            <a:spLocks noGrp="1"/>
+          </p:cNvSpPr>
+          <p:nvPr>
+            <p:ph type="title"/>
+          </p:nvPr>
+        </p:nvSpPr>
+        <p:spPr/>
+        <p:txBody>
+          <a:bodyPr/>
+          <a:lstStyle/>
+          <a:p>
+            <a:r>
+              <a:rPr lang="sv-SE" dirty="0"/>
+              <a:t>Databas normalisering	</a:t>
+            </a:r>
+          </a:p>
+        </p:txBody>
+      </p:sp>
+      <p:sp>
+        <p:nvSpPr>
+          <p:cNvPr id="3" name="Content Placeholder 2">
+            <a:extLst>
+              <a:ext uri="{FF2B5EF4-FFF2-40B4-BE49-F238E27FC236}">
+                <a16:creationId xmlns:a16="http://schemas.microsoft.com/office/drawing/2014/main" id="{B6508298-66AE-70CC-1D50-99C72D42CD7A}"/>
+              </a:ext>
+            </a:extLst>
+          </p:cNvPr>
+          <p:cNvSpPr>
+            <a:spLocks noGrp="1"/>
+          </p:cNvSpPr>
+          <p:nvPr>
+            <p:ph idx="1"/>
+          </p:nvPr>
+        </p:nvSpPr>
+        <p:spPr>
+          <a:xfrm>
+            <a:off x="771088" y="1473287"/>
+            <a:ext cx="10515600" cy="4351338"/>
+          </a:xfrm>
+        </p:spPr>
+        <p:txBody>
+          <a:bodyPr>
+            <a:normAutofit fontScale="92500" lnSpcReduction="20000"/>
+          </a:bodyPr>
+          <a:lstStyle/>
+          <a:p>
+            <a:r>
+              <a:rPr lang="sv-SE" dirty="0"/>
+              <a:t>Databasnormalisering är en teknik för att organisera data i databasen.</a:t>
+            </a:r>
+            <a:br>
+              <a:rPr lang="sv-SE" dirty="0"/>
+            </a:br>
+            <a:endParaRPr lang="sv-SE" dirty="0"/>
+          </a:p>
+          <a:p>
+            <a:r>
+              <a:rPr lang="sv-SE" dirty="0"/>
+              <a:t>Normalisering är ett systematiskt tillvägagångssätt för att sönderdela tabeller för att eliminera </a:t>
+            </a:r>
+            <a:r>
+              <a:rPr lang="sv-SE" b="1" dirty="0"/>
+              <a:t>dataredundans (upprepning)</a:t>
+            </a:r>
+            <a:r>
+              <a:rPr lang="sv-SE" dirty="0"/>
+              <a:t> och oönskade egenskaper som </a:t>
+            </a:r>
+            <a:r>
+              <a:rPr lang="sv-SE" b="1" dirty="0" err="1"/>
+              <a:t>insert</a:t>
+            </a:r>
+            <a:r>
+              <a:rPr lang="sv-SE" b="1" dirty="0"/>
+              <a:t>, uppdatering och raderingsanomalier</a:t>
+            </a:r>
+            <a:r>
+              <a:rPr lang="sv-SE" dirty="0"/>
+              <a:t>. </a:t>
+            </a:r>
+          </a:p>
+          <a:p>
+            <a:pPr marL="0" indent="0">
+              <a:buNone/>
+            </a:pPr>
+            <a:endParaRPr lang="sv-SE" dirty="0"/>
+          </a:p>
+          <a:p>
+            <a:r>
+              <a:rPr lang="sv-SE" dirty="0"/>
+              <a:t>Det är en process i flera steg som försätter data i tabellform och tar bort dubblerade data från relationstabellerna.</a:t>
+            </a:r>
+          </a:p>
+          <a:p>
+            <a:endParaRPr lang="sv-SE" dirty="0"/>
+          </a:p>
+          <a:p>
+            <a:r>
+              <a:rPr lang="sv-SE" dirty="0"/>
+              <a:t>Normalisering används för huvudsakligen två syften,</a:t>
+            </a:r>
+          </a:p>
+          <a:p>
+            <a:pPr lvl="1"/>
+            <a:r>
+              <a:rPr lang="sv-SE" dirty="0"/>
+              <a:t>Eliminera redundanta (värdelösa) data.</a:t>
+            </a:r>
+          </a:p>
+          <a:p>
+            <a:pPr lvl="1"/>
+            <a:r>
+              <a:rPr lang="sv-SE" dirty="0"/>
+              <a:t>Att säkerställa att databeroende är meningsfullt, dvs data lagras logiskt.</a:t>
+            </a:r>
+          </a:p>
+        </p:txBody>
+      </p:sp>
+    </p:spTree>
+    <p:extLst>
+      <p:ext uri="{BB962C8B-B14F-4D97-AF65-F5344CB8AC3E}">
+        <p14:creationId xmlns:p14="http://schemas.microsoft.com/office/powerpoint/2010/main" val="3719374773"/>
+      </p:ext>
+    </p:extLst>
+  </p:cSld>
+  <p:clrMapOvr>
+    <a:masterClrMapping/>
+  </p:clrMapOvr>
+</p:sld>
+</file>
+
+<file path=ppt/slides/slide14.xml><?xml version="1.0" encoding="utf-8"?>
+<p:sld xmlns:a="http://schemas.openxmlformats.org/drawingml/2006/main" xmlns:r="http://schemas.openxmlformats.org/officeDocument/2006/relationships" xmlns:p="http://schemas.openxmlformats.org/presentationml/2006/main">
+  <p:cSld>
+    <p:spTree>
+      <p:nvGrpSpPr>
+        <p:cNvPr id="1" name=""/>
+        <p:cNvGrpSpPr/>
+        <p:nvPr/>
+      </p:nvGrpSpPr>
+      <p:grpSpPr>
+        <a:xfrm>
+          <a:off x="0" y="0"/>
+          <a:ext cx="0" cy="0"/>
+          <a:chOff x="0" y="0"/>
+          <a:chExt cx="0" cy="0"/>
+        </a:xfrm>
+      </p:grpSpPr>
+      <p:sp>
+        <p:nvSpPr>
+          <p:cNvPr id="2" name="Title 1">
+            <a:extLst>
+              <a:ext uri="{FF2B5EF4-FFF2-40B4-BE49-F238E27FC236}">
                 <a16:creationId xmlns:a16="http://schemas.microsoft.com/office/drawing/2014/main" id="{868CF453-E7DA-CE9C-9202-E7FD313EB0AB}"/>
               </a:ext>
             </a:extLst>
@@ -8047,11 +8209,22 @@
             <p:ph idx="1"/>
           </p:nvPr>
         </p:nvSpPr>
-        <p:spPr/>
+        <p:spPr>
+          <a:xfrm>
+            <a:off x="838200" y="1439731"/>
+            <a:ext cx="10515600" cy="4351338"/>
+          </a:xfrm>
+        </p:spPr>
         <p:txBody>
           <a:bodyPr/>
           <a:lstStyle/>
           <a:p>
+            <a:pPr marL="0" indent="0">
+              <a:buNone/>
+            </a:pPr>
+            <a:endParaRPr lang="sv-SE" dirty="0"/>
+          </a:p>
+          <a:p>
             <a:r>
               <a:rPr lang="sv-SE" dirty="0"/>
               <a:t>Regel 1: </a:t>
@@ -8111,13 +8284,8 @@
           <a:p>
             <a:r>
               <a:rPr lang="sv-SE" dirty="0"/>
-              <a:t>Lösning: Dela upp tabellen i </a:t>
-            </a:r>
-            <a:r>
-              <a:rPr lang="sv-SE"/>
-              <a:t>flera tabeller.</a:t>
-            </a:r>
-            <a:endParaRPr lang="sv-SE" dirty="0"/>
+              <a:t>Lösning: Vanligaste lösningen dela upp tabellen i flera tabeller.</a:t>
+            </a:r>
           </a:p>
           <a:p>
             <a:pPr marL="514350" indent="-514350">
@@ -8141,7 +8309,7 @@
 </p:sld>
 </file>
 
-<file path=ppt/slides/slide14.xml><?xml version="1.0" encoding="utf-8"?>
+<file path=ppt/slides/slide15.xml><?xml version="1.0" encoding="utf-8"?>
 <p:sld xmlns:a="http://schemas.openxmlformats.org/drawingml/2006/main" xmlns:r="http://schemas.openxmlformats.org/officeDocument/2006/relationships" xmlns:p="http://schemas.openxmlformats.org/presentationml/2006/main">
   <p:cSld>
     <p:spTree>
@@ -8264,6 +8432,10 @@
               <a:rPr lang="sv-SE" dirty="0"/>
               <a:t>Alla kolumner i en tabell bör ha unika värden</a:t>
             </a:r>
+            <a:br>
+              <a:rPr lang="sv-SE" dirty="0"/>
+            </a:br>
+            <a:endParaRPr lang="sv-SE" dirty="0"/>
           </a:p>
           <a:p>
             <a:pPr marL="914400" lvl="1" indent="-457200">
@@ -8877,7 +9049,7 @@
 </p:sld>
 </file>
 
-<file path=ppt/slides/slide15.xml><?xml version="1.0" encoding="utf-8"?>
+<file path=ppt/slides/slide16.xml><?xml version="1.0" encoding="utf-8"?>
 <p:sld xmlns:a="http://schemas.openxmlformats.org/drawingml/2006/main" xmlns:r="http://schemas.openxmlformats.org/officeDocument/2006/relationships" xmlns:p="http://schemas.openxmlformats.org/presentationml/2006/main">
   <p:cSld>
     <p:spTree>
@@ -8981,6 +9153,10 @@
               <a:rPr lang="sv-SE" dirty="0"/>
               <a:t>Partiellt beroende existerar när för en sammansatt primärnyckel, alla attribut i tabellen endast beror på en del av primärnyckeln och inte på hela primärnyckeln.</a:t>
             </a:r>
+            <a:br>
+              <a:rPr lang="sv-SE" dirty="0"/>
+            </a:br>
+            <a:endParaRPr lang="sv-SE" dirty="0"/>
           </a:p>
           <a:p>
             <a:pPr marL="457200" lvl="1" indent="0">
@@ -9019,7 +9195,7 @@
         </p:blipFill>
         <p:spPr>
           <a:xfrm>
-            <a:off x="1399930" y="4999984"/>
+            <a:off x="1416708" y="5327155"/>
             <a:ext cx="7208776" cy="1311916"/>
           </a:xfrm>
           <a:prstGeom prst="rect">
@@ -9040,7 +9216,7 @@
 </p:sld>
 </file>
 
-<file path=ppt/slides/slide16.xml><?xml version="1.0" encoding="utf-8"?>
+<file path=ppt/slides/slide17.xml><?xml version="1.0" encoding="utf-8"?>
 <p:sld xmlns:a="http://schemas.openxmlformats.org/drawingml/2006/main" xmlns:r="http://schemas.openxmlformats.org/officeDocument/2006/relationships" xmlns:p="http://schemas.openxmlformats.org/presentationml/2006/main">
   <p:cSld>
     <p:spTree>
@@ -9116,7 +9292,7 @@
             </a:pPr>
             <a:r>
               <a:rPr lang="sv-SE" dirty="0"/>
-              <a:t>För att en tabell ska vara i den andra normala formen bör den vara i den första normala formen.</a:t>
+              <a:t>För att en tabell ska vara i den tredje normala formen bör den vara i den första och andra normala formen.</a:t>
             </a:r>
           </a:p>
           <a:p>
@@ -9250,7 +9426,7 @@
 </p:sld>
 </file>
 
-<file path=ppt/slides/slide17.xml><?xml version="1.0" encoding="utf-8"?>
+<file path=ppt/slides/slide18.xml><?xml version="1.0" encoding="utf-8"?>
 <p:sld xmlns:a="http://schemas.openxmlformats.org/drawingml/2006/main" xmlns:r="http://schemas.openxmlformats.org/officeDocument/2006/relationships" xmlns:p="http://schemas.openxmlformats.org/presentationml/2006/main">
   <p:cSld>
     <p:spTree>
@@ -9298,7 +9474,7 @@
             </a:r>
             <a:r>
               <a:rPr lang="sv-SE" dirty="0"/>
-              <a:t> Normal Form (BCNF)</a:t>
+              <a:t> Normal Form (BCNF) 3.5</a:t>
             </a:r>
           </a:p>
         </p:txBody>
@@ -9319,12 +9495,59 @@
             <p:ph idx="1"/>
           </p:nvPr>
         </p:nvSpPr>
-        <p:spPr/>
+        <p:spPr>
+          <a:xfrm>
+            <a:off x="513185" y="1371600"/>
+            <a:ext cx="11597950" cy="5486399"/>
+          </a:xfrm>
+        </p:spPr>
         <p:txBody>
-          <a:bodyPr/>
+          <a:bodyPr>
+            <a:normAutofit/>
+          </a:bodyPr>
           <a:lstStyle/>
           <a:p>
-            <a:endParaRPr lang="sv-SE"/>
+            <a:pPr marL="514350" indent="-514350">
+              <a:buFont typeface="+mj-lt"/>
+              <a:buAutoNum type="arabicPeriod"/>
+            </a:pPr>
+            <a:r>
+              <a:rPr lang="sv-SE" dirty="0"/>
+              <a:t>För att en tabell ska vara i den BCNF formen bör den vara i den första, andra  och tredje normala formen.</a:t>
+            </a:r>
+          </a:p>
+          <a:p>
+            <a:pPr marL="514350" indent="-514350">
+              <a:buFont typeface="+mj-lt"/>
+              <a:buAutoNum type="arabicPeriod"/>
+            </a:pPr>
+            <a:r>
+              <a:rPr lang="sv-SE" dirty="0"/>
+              <a:t>Boyce-</a:t>
+            </a:r>
+            <a:r>
+              <a:rPr lang="sv-SE" dirty="0" err="1"/>
+              <a:t>Codd</a:t>
+            </a:r>
+            <a:r>
+              <a:rPr lang="sv-SE" dirty="0"/>
+              <a:t> normala formen säger att det inte får finnas ett beroende mellan ett primär-nyckel attribut till ett icke primär-nyckel attribut.</a:t>
+            </a:r>
+          </a:p>
+          <a:p>
+            <a:endParaRPr lang="sv-SE" dirty="0"/>
+          </a:p>
+          <a:p>
+            <a:endParaRPr lang="sv-SE" dirty="0"/>
+          </a:p>
+          <a:p>
+            <a:pPr marL="0" indent="0">
+              <a:buNone/>
+            </a:pPr>
+            <a:br>
+              <a:rPr lang="sv-SE" dirty="0"/>
+            </a:br>
+            <a:endParaRPr lang="sv-SE" dirty="0"/>
           </a:p>
         </p:txBody>
       </p:sp>
@@ -9332,6 +9555,156 @@
     <p:extLst>
       <p:ext uri="{BB962C8B-B14F-4D97-AF65-F5344CB8AC3E}">
         <p14:creationId xmlns:p14="http://schemas.microsoft.com/office/powerpoint/2010/main" val="1845104869"/>
+      </p:ext>
+    </p:extLst>
+  </p:cSld>
+  <p:clrMapOvr>
+    <a:masterClrMapping/>
+  </p:clrMapOvr>
+</p:sld>
+</file>
+
+<file path=ppt/slides/slide19.xml><?xml version="1.0" encoding="utf-8"?>
+<p:sld xmlns:a="http://schemas.openxmlformats.org/drawingml/2006/main" xmlns:r="http://schemas.openxmlformats.org/officeDocument/2006/relationships" xmlns:p="http://schemas.openxmlformats.org/presentationml/2006/main">
+  <p:cSld>
+    <p:spTree>
+      <p:nvGrpSpPr>
+        <p:cNvPr id="1" name=""/>
+        <p:cNvGrpSpPr/>
+        <p:nvPr/>
+      </p:nvGrpSpPr>
+      <p:grpSpPr>
+        <a:xfrm>
+          <a:off x="0" y="0"/>
+          <a:ext cx="0" cy="0"/>
+          <a:chOff x="0" y="0"/>
+          <a:chExt cx="0" cy="0"/>
+        </a:xfrm>
+      </p:grpSpPr>
+      <p:sp>
+        <p:nvSpPr>
+          <p:cNvPr id="2" name="Title 1">
+            <a:extLst>
+              <a:ext uri="{FF2B5EF4-FFF2-40B4-BE49-F238E27FC236}">
+                <a16:creationId xmlns:a16="http://schemas.microsoft.com/office/drawing/2014/main" id="{C0CAE42F-D87F-C101-1C0E-8703DE867F5F}"/>
+              </a:ext>
+            </a:extLst>
+          </p:cNvPr>
+          <p:cNvSpPr>
+            <a:spLocks noGrp="1"/>
+          </p:cNvSpPr>
+          <p:nvPr>
+            <p:ph type="title"/>
+          </p:nvPr>
+        </p:nvSpPr>
+        <p:spPr/>
+        <p:txBody>
+          <a:bodyPr/>
+          <a:lstStyle/>
+          <a:p>
+            <a:r>
+              <a:rPr lang="sv-SE" dirty="0"/>
+              <a:t>Boyce-</a:t>
+            </a:r>
+            <a:r>
+              <a:rPr lang="sv-SE" dirty="0" err="1"/>
+              <a:t>Codd</a:t>
+            </a:r>
+            <a:r>
+              <a:rPr lang="sv-SE" dirty="0"/>
+              <a:t> Normal Form (BCNF) 3.5</a:t>
+            </a:r>
+          </a:p>
+        </p:txBody>
+      </p:sp>
+      <p:sp>
+        <p:nvSpPr>
+          <p:cNvPr id="3" name="Content Placeholder 2">
+            <a:extLst>
+              <a:ext uri="{FF2B5EF4-FFF2-40B4-BE49-F238E27FC236}">
+                <a16:creationId xmlns:a16="http://schemas.microsoft.com/office/drawing/2014/main" id="{7DF4EF9B-4713-8CA5-D6C2-EF0AD37B1959}"/>
+              </a:ext>
+            </a:extLst>
+          </p:cNvPr>
+          <p:cNvSpPr>
+            <a:spLocks noGrp="1"/>
+          </p:cNvSpPr>
+          <p:nvPr>
+            <p:ph idx="1"/>
+          </p:nvPr>
+        </p:nvSpPr>
+        <p:spPr/>
+        <p:txBody>
+          <a:bodyPr>
+            <a:normAutofit fontScale="92500" lnSpcReduction="20000"/>
+          </a:bodyPr>
+          <a:lstStyle/>
+          <a:p>
+            <a:endParaRPr lang="sv-SE" dirty="0"/>
+          </a:p>
+          <a:p>
+            <a:endParaRPr lang="sv-SE" dirty="0"/>
+          </a:p>
+          <a:p>
+            <a:endParaRPr lang="sv-SE" dirty="0"/>
+          </a:p>
+          <a:p>
+            <a:endParaRPr lang="sv-SE" dirty="0"/>
+          </a:p>
+          <a:p>
+            <a:endParaRPr lang="sv-SE" dirty="0"/>
+          </a:p>
+          <a:p>
+            <a:endParaRPr lang="sv-SE" dirty="0"/>
+          </a:p>
+          <a:p>
+            <a:endParaRPr lang="sv-SE" dirty="0"/>
+          </a:p>
+          <a:p>
+            <a:r>
+              <a:rPr lang="sv-SE" sz="2400" dirty="0"/>
+              <a:t>Som vi vet att varje professor endast undervisar i ett ämne, men ett ämne kan undervisas av flera professorer. Detta visar att det finns ett beroende mellan ämnet &amp; professorn, och ämnet är alltid beroende av professorn (professor -&gt; ämne). Som vi vet är professorskolumnen ett icke-primärt attribut, medan ämnet är ett primärt attribut. Detta är inte tillåtet i BCNF. För BCNF måste det härledande attributet (professor här) vara ett primärt attribut.</a:t>
+            </a:r>
+          </a:p>
+          <a:p>
+            <a:endParaRPr lang="sv-SE" dirty="0"/>
+          </a:p>
+        </p:txBody>
+      </p:sp>
+      <p:pic>
+        <p:nvPicPr>
+          <p:cNvPr id="4" name="Picture 3">
+            <a:extLst>
+              <a:ext uri="{FF2B5EF4-FFF2-40B4-BE49-F238E27FC236}">
+                <a16:creationId xmlns:a16="http://schemas.microsoft.com/office/drawing/2014/main" id="{25DC29B5-3915-0559-4243-EE6F3605CD36}"/>
+              </a:ext>
+            </a:extLst>
+          </p:cNvPr>
+          <p:cNvPicPr>
+            <a:picLocks noChangeAspect="1"/>
+          </p:cNvPicPr>
+          <p:nvPr/>
+        </p:nvPicPr>
+        <p:blipFill>
+          <a:blip r:embed="rId2"/>
+          <a:stretch>
+            <a:fillRect/>
+          </a:stretch>
+        </p:blipFill>
+        <p:spPr>
+          <a:xfrm>
+            <a:off x="3111659" y="1690688"/>
+            <a:ext cx="4886031" cy="2612669"/>
+          </a:xfrm>
+          <a:prstGeom prst="rect">
+            <a:avLst/>
+          </a:prstGeom>
+        </p:spPr>
+      </p:pic>
+    </p:spTree>
+    <p:extLst>
+      <p:ext uri="{BB962C8B-B14F-4D97-AF65-F5344CB8AC3E}">
+        <p14:creationId xmlns:p14="http://schemas.microsoft.com/office/powerpoint/2010/main" val="142390160"/>
       </p:ext>
     </p:extLst>
   </p:cSld>
@@ -9551,6 +9924,369 @@
     <p:extLst>
       <p:ext uri="{BB962C8B-B14F-4D97-AF65-F5344CB8AC3E}">
         <p14:creationId xmlns:p14="http://schemas.microsoft.com/office/powerpoint/2010/main" val="4076420749"/>
+      </p:ext>
+    </p:extLst>
+  </p:cSld>
+  <p:clrMapOvr>
+    <a:masterClrMapping/>
+  </p:clrMapOvr>
+</p:sld>
+</file>
+
+<file path=ppt/slides/slide20.xml><?xml version="1.0" encoding="utf-8"?>
+<p:sld xmlns:a="http://schemas.openxmlformats.org/drawingml/2006/main" xmlns:r="http://schemas.openxmlformats.org/officeDocument/2006/relationships" xmlns:p="http://schemas.openxmlformats.org/presentationml/2006/main">
+  <p:cSld>
+    <p:spTree>
+      <p:nvGrpSpPr>
+        <p:cNvPr id="1" name=""/>
+        <p:cNvGrpSpPr/>
+        <p:nvPr/>
+      </p:nvGrpSpPr>
+      <p:grpSpPr>
+        <a:xfrm>
+          <a:off x="0" y="0"/>
+          <a:ext cx="0" cy="0"/>
+          <a:chOff x="0" y="0"/>
+          <a:chExt cx="0" cy="0"/>
+        </a:xfrm>
+      </p:grpSpPr>
+      <p:sp>
+        <p:nvSpPr>
+          <p:cNvPr id="2" name="Title 1">
+            <a:extLst>
+              <a:ext uri="{FF2B5EF4-FFF2-40B4-BE49-F238E27FC236}">
+                <a16:creationId xmlns:a16="http://schemas.microsoft.com/office/drawing/2014/main" id="{D90DB018-9F16-BB93-E14B-70A41FA07918}"/>
+              </a:ext>
+            </a:extLst>
+          </p:cNvPr>
+          <p:cNvSpPr>
+            <a:spLocks noGrp="1"/>
+          </p:cNvSpPr>
+          <p:nvPr>
+            <p:ph type="title"/>
+          </p:nvPr>
+        </p:nvSpPr>
+        <p:spPr>
+          <a:xfrm>
+            <a:off x="838199" y="365125"/>
+            <a:ext cx="10973499" cy="1325563"/>
+          </a:xfrm>
+        </p:spPr>
+        <p:txBody>
+          <a:bodyPr/>
+          <a:lstStyle/>
+          <a:p>
+            <a:r>
+              <a:rPr lang="sv-SE" dirty="0" err="1"/>
+              <a:t>Fourth</a:t>
+            </a:r>
+            <a:r>
+              <a:rPr lang="sv-SE" dirty="0"/>
+              <a:t> normal form - Multi-</a:t>
+            </a:r>
+            <a:r>
+              <a:rPr lang="sv-SE" dirty="0" err="1"/>
+              <a:t>valued</a:t>
+            </a:r>
+            <a:r>
+              <a:rPr lang="sv-SE" dirty="0"/>
+              <a:t> </a:t>
+            </a:r>
+            <a:r>
+              <a:rPr lang="sv-SE" dirty="0" err="1"/>
+              <a:t>Dependency</a:t>
+            </a:r>
+            <a:endParaRPr lang="sv-SE" dirty="0"/>
+          </a:p>
+        </p:txBody>
+      </p:sp>
+      <p:sp>
+        <p:nvSpPr>
+          <p:cNvPr id="3" name="Content Placeholder 2">
+            <a:extLst>
+              <a:ext uri="{FF2B5EF4-FFF2-40B4-BE49-F238E27FC236}">
+                <a16:creationId xmlns:a16="http://schemas.microsoft.com/office/drawing/2014/main" id="{AD8EF720-1A74-069F-AB7E-19A49579C132}"/>
+              </a:ext>
+            </a:extLst>
+          </p:cNvPr>
+          <p:cNvSpPr>
+            <a:spLocks noGrp="1"/>
+          </p:cNvSpPr>
+          <p:nvPr>
+            <p:ph idx="1"/>
+          </p:nvPr>
+        </p:nvSpPr>
+        <p:spPr/>
+        <p:txBody>
+          <a:bodyPr/>
+          <a:lstStyle/>
+          <a:p>
+            <a:pPr marL="514350" indent="-514350">
+              <a:buFont typeface="+mj-lt"/>
+              <a:buAutoNum type="arabicPeriod"/>
+            </a:pPr>
+            <a:r>
+              <a:rPr lang="sv-SE" dirty="0"/>
+              <a:t>Ska uppfylla alla tidigare former</a:t>
+            </a:r>
+          </a:p>
+          <a:p>
+            <a:pPr marL="514350" indent="-514350">
+              <a:buFont typeface="+mj-lt"/>
+              <a:buAutoNum type="arabicPeriod"/>
+            </a:pPr>
+            <a:r>
+              <a:rPr lang="sv-SE" dirty="0"/>
+              <a:t>Och tabellen bör inte ha något beroende av flera värden.</a:t>
+            </a:r>
+          </a:p>
+          <a:p>
+            <a:endParaRPr lang="sv-SE" dirty="0"/>
+          </a:p>
+        </p:txBody>
+      </p:sp>
+      <p:pic>
+        <p:nvPicPr>
+          <p:cNvPr id="5" name="Picture 4">
+            <a:extLst>
+              <a:ext uri="{FF2B5EF4-FFF2-40B4-BE49-F238E27FC236}">
+                <a16:creationId xmlns:a16="http://schemas.microsoft.com/office/drawing/2014/main" id="{13E190BE-EE18-E031-0F9C-F1F4C87670C6}"/>
+              </a:ext>
+            </a:extLst>
+          </p:cNvPr>
+          <p:cNvPicPr>
+            <a:picLocks noChangeAspect="1"/>
+          </p:cNvPicPr>
+          <p:nvPr/>
+        </p:nvPicPr>
+        <p:blipFill>
+          <a:blip r:embed="rId2"/>
+          <a:stretch>
+            <a:fillRect/>
+          </a:stretch>
+        </p:blipFill>
+        <p:spPr>
+          <a:xfrm>
+            <a:off x="698240" y="3023772"/>
+            <a:ext cx="5098783" cy="1637951"/>
+          </a:xfrm>
+          <a:prstGeom prst="rect">
+            <a:avLst/>
+          </a:prstGeom>
+        </p:spPr>
+      </p:pic>
+      <p:pic>
+        <p:nvPicPr>
+          <p:cNvPr id="7" name="Picture 6">
+            <a:extLst>
+              <a:ext uri="{FF2B5EF4-FFF2-40B4-BE49-F238E27FC236}">
+                <a16:creationId xmlns:a16="http://schemas.microsoft.com/office/drawing/2014/main" id="{4CCAA661-923C-25B1-EE09-CC0DE008A769}"/>
+              </a:ext>
+            </a:extLst>
+          </p:cNvPr>
+          <p:cNvPicPr>
+            <a:picLocks noChangeAspect="1"/>
+          </p:cNvPicPr>
+          <p:nvPr/>
+        </p:nvPicPr>
+        <p:blipFill>
+          <a:blip r:embed="rId3"/>
+          <a:stretch>
+            <a:fillRect/>
+          </a:stretch>
+        </p:blipFill>
+        <p:spPr>
+          <a:xfrm>
+            <a:off x="6140112" y="3023773"/>
+            <a:ext cx="4999026" cy="1637951"/>
+          </a:xfrm>
+          <a:prstGeom prst="rect">
+            <a:avLst/>
+          </a:prstGeom>
+        </p:spPr>
+      </p:pic>
+    </p:spTree>
+    <p:extLst>
+      <p:ext uri="{BB962C8B-B14F-4D97-AF65-F5344CB8AC3E}">
+        <p14:creationId xmlns:p14="http://schemas.microsoft.com/office/powerpoint/2010/main" val="1775897081"/>
+      </p:ext>
+    </p:extLst>
+  </p:cSld>
+  <p:clrMapOvr>
+    <a:masterClrMapping/>
+  </p:clrMapOvr>
+</p:sld>
+</file>
+
+<file path=ppt/slides/slide21.xml><?xml version="1.0" encoding="utf-8"?>
+<p:sld xmlns:a="http://schemas.openxmlformats.org/drawingml/2006/main" xmlns:r="http://schemas.openxmlformats.org/officeDocument/2006/relationships" xmlns:p="http://schemas.openxmlformats.org/presentationml/2006/main">
+  <p:cSld>
+    <p:spTree>
+      <p:nvGrpSpPr>
+        <p:cNvPr id="1" name=""/>
+        <p:cNvGrpSpPr/>
+        <p:nvPr/>
+      </p:nvGrpSpPr>
+      <p:grpSpPr>
+        <a:xfrm>
+          <a:off x="0" y="0"/>
+          <a:ext cx="0" cy="0"/>
+          <a:chOff x="0" y="0"/>
+          <a:chExt cx="0" cy="0"/>
+        </a:xfrm>
+      </p:grpSpPr>
+      <p:sp>
+        <p:nvSpPr>
+          <p:cNvPr id="3" name="Content Placeholder 2">
+            <a:extLst>
+              <a:ext uri="{FF2B5EF4-FFF2-40B4-BE49-F238E27FC236}">
+                <a16:creationId xmlns:a16="http://schemas.microsoft.com/office/drawing/2014/main" id="{8D7B712F-39F7-46C6-CC56-8A8464F8439F}"/>
+              </a:ext>
+            </a:extLst>
+          </p:cNvPr>
+          <p:cNvSpPr>
+            <a:spLocks noGrp="1"/>
+          </p:cNvSpPr>
+          <p:nvPr>
+            <p:ph idx="1"/>
+          </p:nvPr>
+        </p:nvSpPr>
+        <p:spPr/>
+        <p:txBody>
+          <a:bodyPr/>
+          <a:lstStyle/>
+          <a:p>
+            <a:r>
+              <a:rPr lang="sv-SE" dirty="0"/>
+              <a:t>För att få ovanstående relation att uppfylla den 4:e normalformen kan vi </a:t>
+            </a:r>
+            <a:r>
+              <a:rPr lang="sv-SE" dirty="0" err="1"/>
+              <a:t>dekomponera</a:t>
+            </a:r>
+            <a:r>
+              <a:rPr lang="sv-SE" dirty="0"/>
+              <a:t> tabellen i 2 tabeller.</a:t>
+            </a:r>
+          </a:p>
+        </p:txBody>
+      </p:sp>
+      <p:pic>
+        <p:nvPicPr>
+          <p:cNvPr id="5" name="Picture 4">
+            <a:extLst>
+              <a:ext uri="{FF2B5EF4-FFF2-40B4-BE49-F238E27FC236}">
+                <a16:creationId xmlns:a16="http://schemas.microsoft.com/office/drawing/2014/main" id="{C66BDE96-5D56-50E0-3301-A2984DEC17FA}"/>
+              </a:ext>
+            </a:extLst>
+          </p:cNvPr>
+          <p:cNvPicPr>
+            <a:picLocks noChangeAspect="1"/>
+          </p:cNvPicPr>
+          <p:nvPr/>
+        </p:nvPicPr>
+        <p:blipFill>
+          <a:blip r:embed="rId2"/>
+          <a:stretch>
+            <a:fillRect/>
+          </a:stretch>
+        </p:blipFill>
+        <p:spPr>
+          <a:xfrm>
+            <a:off x="1057689" y="3040028"/>
+            <a:ext cx="4743450" cy="2352675"/>
+          </a:xfrm>
+          <a:prstGeom prst="rect">
+            <a:avLst/>
+          </a:prstGeom>
+        </p:spPr>
+      </p:pic>
+      <p:pic>
+        <p:nvPicPr>
+          <p:cNvPr id="7" name="Picture 6">
+            <a:extLst>
+              <a:ext uri="{FF2B5EF4-FFF2-40B4-BE49-F238E27FC236}">
+                <a16:creationId xmlns:a16="http://schemas.microsoft.com/office/drawing/2014/main" id="{DE471587-86B9-892C-20E2-E360C14A0F42}"/>
+              </a:ext>
+            </a:extLst>
+          </p:cNvPr>
+          <p:cNvPicPr>
+            <a:picLocks noChangeAspect="1"/>
+          </p:cNvPicPr>
+          <p:nvPr/>
+        </p:nvPicPr>
+        <p:blipFill>
+          <a:blip r:embed="rId3"/>
+          <a:stretch>
+            <a:fillRect/>
+          </a:stretch>
+        </p:blipFill>
+        <p:spPr>
+          <a:xfrm>
+            <a:off x="6020628" y="3040028"/>
+            <a:ext cx="4848225" cy="2352675"/>
+          </a:xfrm>
+          <a:prstGeom prst="rect">
+            <a:avLst/>
+          </a:prstGeom>
+        </p:spPr>
+      </p:pic>
+      <p:sp>
+        <p:nvSpPr>
+          <p:cNvPr id="9" name="TextBox 8">
+            <a:extLst>
+              <a:ext uri="{FF2B5EF4-FFF2-40B4-BE49-F238E27FC236}">
+                <a16:creationId xmlns:a16="http://schemas.microsoft.com/office/drawing/2014/main" id="{A4B525FD-33FD-942D-5C36-5C9D68F668BE}"/>
+              </a:ext>
+            </a:extLst>
+          </p:cNvPr>
+          <p:cNvSpPr txBox="1"/>
+          <p:nvPr/>
+        </p:nvSpPr>
+        <p:spPr>
+          <a:xfrm>
+            <a:off x="1057689" y="572092"/>
+            <a:ext cx="9777989" cy="646331"/>
+          </a:xfrm>
+          <a:prstGeom prst="rect">
+            <a:avLst/>
+          </a:prstGeom>
+          <a:noFill/>
+        </p:spPr>
+        <p:txBody>
+          <a:bodyPr wrap="square">
+            <a:spAutoFit/>
+          </a:bodyPr>
+          <a:lstStyle/>
+          <a:p>
+            <a:r>
+              <a:rPr lang="sv-SE" sz="3600" dirty="0" err="1"/>
+              <a:t>Fourth</a:t>
+            </a:r>
+            <a:r>
+              <a:rPr lang="sv-SE" sz="3600" dirty="0"/>
+              <a:t> normal form - Multi-</a:t>
+            </a:r>
+            <a:r>
+              <a:rPr lang="sv-SE" sz="3600" dirty="0" err="1"/>
+              <a:t>valued</a:t>
+            </a:r>
+            <a:r>
+              <a:rPr lang="sv-SE" sz="3600" dirty="0"/>
+              <a:t> </a:t>
+            </a:r>
+            <a:r>
+              <a:rPr lang="sv-SE" sz="3600" dirty="0" err="1"/>
+              <a:t>Dependency</a:t>
+            </a:r>
+            <a:endParaRPr lang="sv-SE" sz="3600" dirty="0"/>
+          </a:p>
+        </p:txBody>
+      </p:sp>
+    </p:spTree>
+    <p:extLst>
+      <p:ext uri="{BB962C8B-B14F-4D97-AF65-F5344CB8AC3E}">
+        <p14:creationId xmlns:p14="http://schemas.microsoft.com/office/powerpoint/2010/main" val="248094760"/>
       </p:ext>
     </p:extLst>
   </p:cSld>
@@ -9816,7 +10552,7 @@
           <a:noFill/>
           <a:extLst>
             <a:ext uri="{909E8E84-426E-40dd-AFC4-6F175D3DCCD1}">
-              <a14:hiddenFill xmlns="" xmlns:a14="http://schemas.microsoft.com/office/drawing/2010/main">
+              <a14:hiddenFill xmlns:a14="http://schemas.microsoft.com/office/drawing/2010/main" xmlns="">
                 <a:solidFill>
                   <a:srgbClr val="FFFFFF"/>
                 </a:solidFill>
